--- a/Pictures/Pictures.pptx
+++ b/Pictures/Pictures.pptx
@@ -5,13 +5,15 @@
     <p:sldMasterId id="2147483696" r:id="rId1"/>
   </p:sldMasterIdLst>
   <p:notesMasterIdLst>
-    <p:notesMasterId r:id="rId6"/>
+    <p:notesMasterId r:id="rId8"/>
   </p:notesMasterIdLst>
   <p:sldIdLst>
     <p:sldId id="268" r:id="rId2"/>
-    <p:sldId id="269" r:id="rId3"/>
-    <p:sldId id="270" r:id="rId4"/>
-    <p:sldId id="261" r:id="rId5"/>
+    <p:sldId id="271" r:id="rId3"/>
+    <p:sldId id="272" r:id="rId4"/>
+    <p:sldId id="269" r:id="rId5"/>
+    <p:sldId id="270" r:id="rId6"/>
+    <p:sldId id="261" r:id="rId7"/>
   </p:sldIdLst>
   <p:sldSz cx="9739313" cy="7304088"/>
   <p:notesSz cx="6858000" cy="9144000"/>
@@ -465,6 +467,534 @@
     </a:lvl9pPr>
   </p:notesStyle>
 </p:notesMaster>
+</file>
+
+<file path=ppt/notesSlides/notesSlide1.xml><?xml version="1.0" encoding="utf-8"?>
+<p:notes xmlns:a="http://schemas.openxmlformats.org/drawingml/2006/main" xmlns:r="http://schemas.openxmlformats.org/officeDocument/2006/relationships" xmlns:p="http://schemas.openxmlformats.org/presentationml/2006/main">
+  <p:cSld>
+    <p:spTree>
+      <p:nvGrpSpPr>
+        <p:cNvPr id="1" name=""/>
+        <p:cNvGrpSpPr/>
+        <p:nvPr/>
+      </p:nvGrpSpPr>
+      <p:grpSpPr>
+        <a:xfrm>
+          <a:off x="0" y="0"/>
+          <a:ext cx="0" cy="0"/>
+          <a:chOff x="0" y="0"/>
+          <a:chExt cx="0" cy="0"/>
+        </a:xfrm>
+      </p:grpSpPr>
+      <p:sp>
+        <p:nvSpPr>
+          <p:cNvPr id="2" name="Segnaposto immagine diapositiva 1"/>
+          <p:cNvSpPr>
+            <a:spLocks noGrp="1" noRot="1" noChangeAspect="1"/>
+          </p:cNvSpPr>
+          <p:nvPr>
+            <p:ph type="sldImg"/>
+          </p:nvPr>
+        </p:nvSpPr>
+        <p:spPr/>
+      </p:sp>
+      <p:sp>
+        <p:nvSpPr>
+          <p:cNvPr id="3" name="Segnaposto note 2"/>
+          <p:cNvSpPr>
+            <a:spLocks noGrp="1"/>
+          </p:cNvSpPr>
+          <p:nvPr>
+            <p:ph type="body" idx="1"/>
+          </p:nvPr>
+        </p:nvSpPr>
+        <p:spPr/>
+        <p:txBody>
+          <a:bodyPr/>
+          <a:lstStyle/>
+          <a:p>
+            <a:r>
+              <a:rPr lang="it-IT" dirty="0"/>
+              <a:t>service_skeleton.jpeg</a:t>
+            </a:r>
+            <a:endParaRPr lang="en-GB" dirty="0"/>
+          </a:p>
+        </p:txBody>
+      </p:sp>
+      <p:sp>
+        <p:nvSpPr>
+          <p:cNvPr id="4" name="Segnaposto numero diapositiva 3"/>
+          <p:cNvSpPr>
+            <a:spLocks noGrp="1"/>
+          </p:cNvSpPr>
+          <p:nvPr>
+            <p:ph type="sldNum" sz="quarter" idx="10"/>
+          </p:nvPr>
+        </p:nvSpPr>
+        <p:spPr/>
+        <p:txBody>
+          <a:bodyPr/>
+          <a:lstStyle/>
+          <a:p>
+            <a:fld id="{11419E8F-772A-4146-8DF6-C4610487CA81}" type="slidenum">
+              <a:rPr lang="en-US" smtClean="0"/>
+              <a:t>1</a:t>
+            </a:fld>
+            <a:endParaRPr lang="en-US"/>
+          </a:p>
+        </p:txBody>
+      </p:sp>
+    </p:spTree>
+    <p:extLst>
+      <p:ext uri="{BB962C8B-B14F-4D97-AF65-F5344CB8AC3E}">
+        <p14:creationId xmlns:p14="http://schemas.microsoft.com/office/powerpoint/2010/main" val="1080619835"/>
+      </p:ext>
+    </p:extLst>
+  </p:cSld>
+  <p:clrMapOvr>
+    <a:masterClrMapping/>
+  </p:clrMapOvr>
+</p:notes>
+</file>
+
+<file path=ppt/notesSlides/notesSlide2.xml><?xml version="1.0" encoding="utf-8"?>
+<p:notes xmlns:a="http://schemas.openxmlformats.org/drawingml/2006/main" xmlns:r="http://schemas.openxmlformats.org/officeDocument/2006/relationships" xmlns:p="http://schemas.openxmlformats.org/presentationml/2006/main">
+  <p:cSld>
+    <p:spTree>
+      <p:nvGrpSpPr>
+        <p:cNvPr id="1" name=""/>
+        <p:cNvGrpSpPr/>
+        <p:nvPr/>
+      </p:nvGrpSpPr>
+      <p:grpSpPr>
+        <a:xfrm>
+          <a:off x="0" y="0"/>
+          <a:ext cx="0" cy="0"/>
+          <a:chOff x="0" y="0"/>
+          <a:chExt cx="0" cy="0"/>
+        </a:xfrm>
+      </p:grpSpPr>
+      <p:sp>
+        <p:nvSpPr>
+          <p:cNvPr id="2" name="Segnaposto immagine diapositiva 1"/>
+          <p:cNvSpPr>
+            <a:spLocks noGrp="1" noRot="1" noChangeAspect="1"/>
+          </p:cNvSpPr>
+          <p:nvPr>
+            <p:ph type="sldImg"/>
+          </p:nvPr>
+        </p:nvSpPr>
+        <p:spPr/>
+      </p:sp>
+      <p:sp>
+        <p:nvSpPr>
+          <p:cNvPr id="3" name="Segnaposto note 2"/>
+          <p:cNvSpPr>
+            <a:spLocks noGrp="1"/>
+          </p:cNvSpPr>
+          <p:nvPr>
+            <p:ph type="body" idx="1"/>
+          </p:nvPr>
+        </p:nvSpPr>
+        <p:spPr/>
+        <p:txBody>
+          <a:bodyPr/>
+          <a:lstStyle/>
+          <a:p>
+            <a:r>
+              <a:rPr lang="it-IT" dirty="0"/>
+              <a:t>domestic_access_to_the_internet.jpeg</a:t>
+            </a:r>
+            <a:endParaRPr lang="en-GB" dirty="0"/>
+          </a:p>
+        </p:txBody>
+      </p:sp>
+      <p:sp>
+        <p:nvSpPr>
+          <p:cNvPr id="4" name="Segnaposto numero diapositiva 3"/>
+          <p:cNvSpPr>
+            <a:spLocks noGrp="1"/>
+          </p:cNvSpPr>
+          <p:nvPr>
+            <p:ph type="sldNum" sz="quarter" idx="10"/>
+          </p:nvPr>
+        </p:nvSpPr>
+        <p:spPr/>
+        <p:txBody>
+          <a:bodyPr/>
+          <a:lstStyle/>
+          <a:p>
+            <a:fld id="{11419E8F-772A-4146-8DF6-C4610487CA81}" type="slidenum">
+              <a:rPr lang="en-US" smtClean="0"/>
+              <a:t>2</a:t>
+            </a:fld>
+            <a:endParaRPr lang="en-US"/>
+          </a:p>
+        </p:txBody>
+      </p:sp>
+    </p:spTree>
+    <p:extLst>
+      <p:ext uri="{BB962C8B-B14F-4D97-AF65-F5344CB8AC3E}">
+        <p14:creationId xmlns:p14="http://schemas.microsoft.com/office/powerpoint/2010/main" val="215691262"/>
+      </p:ext>
+    </p:extLst>
+  </p:cSld>
+  <p:clrMapOvr>
+    <a:masterClrMapping/>
+  </p:clrMapOvr>
+</p:notes>
+</file>
+
+<file path=ppt/notesSlides/notesSlide3.xml><?xml version="1.0" encoding="utf-8"?>
+<p:notes xmlns:a="http://schemas.openxmlformats.org/drawingml/2006/main" xmlns:r="http://schemas.openxmlformats.org/officeDocument/2006/relationships" xmlns:p="http://schemas.openxmlformats.org/presentationml/2006/main">
+  <p:cSld>
+    <p:spTree>
+      <p:nvGrpSpPr>
+        <p:cNvPr id="1" name=""/>
+        <p:cNvGrpSpPr/>
+        <p:nvPr/>
+      </p:nvGrpSpPr>
+      <p:grpSpPr>
+        <a:xfrm>
+          <a:off x="0" y="0"/>
+          <a:ext cx="0" cy="0"/>
+          <a:chOff x="0" y="0"/>
+          <a:chExt cx="0" cy="0"/>
+        </a:xfrm>
+      </p:grpSpPr>
+      <p:sp>
+        <p:nvSpPr>
+          <p:cNvPr id="2" name="Segnaposto immagine diapositiva 1"/>
+          <p:cNvSpPr>
+            <a:spLocks noGrp="1" noRot="1" noChangeAspect="1"/>
+          </p:cNvSpPr>
+          <p:nvPr>
+            <p:ph type="sldImg"/>
+          </p:nvPr>
+        </p:nvSpPr>
+        <p:spPr/>
+      </p:sp>
+      <p:sp>
+        <p:nvSpPr>
+          <p:cNvPr id="3" name="Segnaposto note 2"/>
+          <p:cNvSpPr>
+            <a:spLocks noGrp="1"/>
+          </p:cNvSpPr>
+          <p:nvPr>
+            <p:ph type="body" idx="1"/>
+          </p:nvPr>
+        </p:nvSpPr>
+        <p:spPr/>
+        <p:txBody>
+          <a:bodyPr/>
+          <a:lstStyle/>
+          <a:p>
+            <a:r>
+              <a:rPr lang="it-IT" dirty="0"/>
+              <a:t>personal_vpn.jpeg</a:t>
+            </a:r>
+            <a:endParaRPr lang="en-GB" dirty="0"/>
+          </a:p>
+        </p:txBody>
+      </p:sp>
+      <p:sp>
+        <p:nvSpPr>
+          <p:cNvPr id="4" name="Segnaposto numero diapositiva 3"/>
+          <p:cNvSpPr>
+            <a:spLocks noGrp="1"/>
+          </p:cNvSpPr>
+          <p:nvPr>
+            <p:ph type="sldNum" sz="quarter" idx="10"/>
+          </p:nvPr>
+        </p:nvSpPr>
+        <p:spPr/>
+        <p:txBody>
+          <a:bodyPr/>
+          <a:lstStyle/>
+          <a:p>
+            <a:fld id="{11419E8F-772A-4146-8DF6-C4610487CA81}" type="slidenum">
+              <a:rPr lang="en-US" smtClean="0"/>
+              <a:t>3</a:t>
+            </a:fld>
+            <a:endParaRPr lang="en-US"/>
+          </a:p>
+        </p:txBody>
+      </p:sp>
+    </p:spTree>
+    <p:extLst>
+      <p:ext uri="{BB962C8B-B14F-4D97-AF65-F5344CB8AC3E}">
+        <p14:creationId xmlns:p14="http://schemas.microsoft.com/office/powerpoint/2010/main" val="1545368040"/>
+      </p:ext>
+    </p:extLst>
+  </p:cSld>
+  <p:clrMapOvr>
+    <a:masterClrMapping/>
+  </p:clrMapOvr>
+</p:notes>
+</file>
+
+<file path=ppt/notesSlides/notesSlide4.xml><?xml version="1.0" encoding="utf-8"?>
+<p:notes xmlns:a="http://schemas.openxmlformats.org/drawingml/2006/main" xmlns:r="http://schemas.openxmlformats.org/officeDocument/2006/relationships" xmlns:p="http://schemas.openxmlformats.org/presentationml/2006/main">
+  <p:cSld>
+    <p:spTree>
+      <p:nvGrpSpPr>
+        <p:cNvPr id="1" name=""/>
+        <p:cNvGrpSpPr/>
+        <p:nvPr/>
+      </p:nvGrpSpPr>
+      <p:grpSpPr>
+        <a:xfrm>
+          <a:off x="0" y="0"/>
+          <a:ext cx="0" cy="0"/>
+          <a:chOff x="0" y="0"/>
+          <a:chExt cx="0" cy="0"/>
+        </a:xfrm>
+      </p:grpSpPr>
+      <p:sp>
+        <p:nvSpPr>
+          <p:cNvPr id="2" name="Segnaposto immagine diapositiva 1"/>
+          <p:cNvSpPr>
+            <a:spLocks noGrp="1" noRot="1" noChangeAspect="1"/>
+          </p:cNvSpPr>
+          <p:nvPr>
+            <p:ph type="sldImg"/>
+          </p:nvPr>
+        </p:nvSpPr>
+        <p:spPr/>
+      </p:sp>
+      <p:sp>
+        <p:nvSpPr>
+          <p:cNvPr id="3" name="Segnaposto note 2"/>
+          <p:cNvSpPr>
+            <a:spLocks noGrp="1"/>
+          </p:cNvSpPr>
+          <p:nvPr>
+            <p:ph type="body" idx="1"/>
+          </p:nvPr>
+        </p:nvSpPr>
+        <p:spPr/>
+        <p:txBody>
+          <a:bodyPr/>
+          <a:lstStyle/>
+          <a:p>
+            <a:r>
+              <a:rPr lang="it-IT" dirty="0" err="1"/>
+              <a:t>network.json</a:t>
+            </a:r>
+            <a:endParaRPr lang="en-GB" dirty="0"/>
+          </a:p>
+        </p:txBody>
+      </p:sp>
+      <p:sp>
+        <p:nvSpPr>
+          <p:cNvPr id="4" name="Segnaposto numero diapositiva 3"/>
+          <p:cNvSpPr>
+            <a:spLocks noGrp="1"/>
+          </p:cNvSpPr>
+          <p:nvPr>
+            <p:ph type="sldNum" sz="quarter" idx="10"/>
+          </p:nvPr>
+        </p:nvSpPr>
+        <p:spPr/>
+        <p:txBody>
+          <a:bodyPr/>
+          <a:lstStyle/>
+          <a:p>
+            <a:fld id="{11419E8F-772A-4146-8DF6-C4610487CA81}" type="slidenum">
+              <a:rPr lang="en-US" smtClean="0"/>
+              <a:t>4</a:t>
+            </a:fld>
+            <a:endParaRPr lang="en-US"/>
+          </a:p>
+        </p:txBody>
+      </p:sp>
+    </p:spTree>
+    <p:extLst>
+      <p:ext uri="{BB962C8B-B14F-4D97-AF65-F5344CB8AC3E}">
+        <p14:creationId xmlns:p14="http://schemas.microsoft.com/office/powerpoint/2010/main" val="371156913"/>
+      </p:ext>
+    </p:extLst>
+  </p:cSld>
+  <p:clrMapOvr>
+    <a:masterClrMapping/>
+  </p:clrMapOvr>
+</p:notes>
+</file>
+
+<file path=ppt/notesSlides/notesSlide5.xml><?xml version="1.0" encoding="utf-8"?>
+<p:notes xmlns:a="http://schemas.openxmlformats.org/drawingml/2006/main" xmlns:r="http://schemas.openxmlformats.org/officeDocument/2006/relationships" xmlns:p="http://schemas.openxmlformats.org/presentationml/2006/main">
+  <p:cSld>
+    <p:spTree>
+      <p:nvGrpSpPr>
+        <p:cNvPr id="1" name=""/>
+        <p:cNvGrpSpPr/>
+        <p:nvPr/>
+      </p:nvGrpSpPr>
+      <p:grpSpPr>
+        <a:xfrm>
+          <a:off x="0" y="0"/>
+          <a:ext cx="0" cy="0"/>
+          <a:chOff x="0" y="0"/>
+          <a:chExt cx="0" cy="0"/>
+        </a:xfrm>
+      </p:grpSpPr>
+      <p:sp>
+        <p:nvSpPr>
+          <p:cNvPr id="2" name="Segnaposto immagine diapositiva 1"/>
+          <p:cNvSpPr>
+            <a:spLocks noGrp="1" noRot="1" noChangeAspect="1"/>
+          </p:cNvSpPr>
+          <p:nvPr>
+            <p:ph type="sldImg"/>
+          </p:nvPr>
+        </p:nvSpPr>
+        <p:spPr/>
+      </p:sp>
+      <p:sp>
+        <p:nvSpPr>
+          <p:cNvPr id="3" name="Segnaposto note 2"/>
+          <p:cNvSpPr>
+            <a:spLocks noGrp="1"/>
+          </p:cNvSpPr>
+          <p:nvPr>
+            <p:ph type="body" idx="1"/>
+          </p:nvPr>
+        </p:nvSpPr>
+        <p:spPr/>
+        <p:txBody>
+          <a:bodyPr/>
+          <a:lstStyle/>
+          <a:p>
+            <a:r>
+              <a:rPr lang="it-IT" dirty="0" err="1"/>
+              <a:t>subnet.json</a:t>
+            </a:r>
+            <a:endParaRPr lang="en-GB" dirty="0"/>
+          </a:p>
+        </p:txBody>
+      </p:sp>
+      <p:sp>
+        <p:nvSpPr>
+          <p:cNvPr id="4" name="Segnaposto numero diapositiva 3"/>
+          <p:cNvSpPr>
+            <a:spLocks noGrp="1"/>
+          </p:cNvSpPr>
+          <p:nvPr>
+            <p:ph type="sldNum" sz="quarter" idx="10"/>
+          </p:nvPr>
+        </p:nvSpPr>
+        <p:spPr/>
+        <p:txBody>
+          <a:bodyPr/>
+          <a:lstStyle/>
+          <a:p>
+            <a:fld id="{11419E8F-772A-4146-8DF6-C4610487CA81}" type="slidenum">
+              <a:rPr lang="en-US" smtClean="0"/>
+              <a:t>5</a:t>
+            </a:fld>
+            <a:endParaRPr lang="en-US"/>
+          </a:p>
+        </p:txBody>
+      </p:sp>
+    </p:spTree>
+    <p:extLst>
+      <p:ext uri="{BB962C8B-B14F-4D97-AF65-F5344CB8AC3E}">
+        <p14:creationId xmlns:p14="http://schemas.microsoft.com/office/powerpoint/2010/main" val="1020409890"/>
+      </p:ext>
+    </p:extLst>
+  </p:cSld>
+  <p:clrMapOvr>
+    <a:masterClrMapping/>
+  </p:clrMapOvr>
+</p:notes>
+</file>
+
+<file path=ppt/notesSlides/notesSlide6.xml><?xml version="1.0" encoding="utf-8"?>
+<p:notes xmlns:a="http://schemas.openxmlformats.org/drawingml/2006/main" xmlns:r="http://schemas.openxmlformats.org/officeDocument/2006/relationships" xmlns:p="http://schemas.openxmlformats.org/presentationml/2006/main">
+  <p:cSld>
+    <p:spTree>
+      <p:nvGrpSpPr>
+        <p:cNvPr id="1" name=""/>
+        <p:cNvGrpSpPr/>
+        <p:nvPr/>
+      </p:nvGrpSpPr>
+      <p:grpSpPr>
+        <a:xfrm>
+          <a:off x="0" y="0"/>
+          <a:ext cx="0" cy="0"/>
+          <a:chOff x="0" y="0"/>
+          <a:chExt cx="0" cy="0"/>
+        </a:xfrm>
+      </p:grpSpPr>
+      <p:sp>
+        <p:nvSpPr>
+          <p:cNvPr id="2" name="Segnaposto immagine diapositiva 1"/>
+          <p:cNvSpPr>
+            <a:spLocks noGrp="1" noRot="1" noChangeAspect="1"/>
+          </p:cNvSpPr>
+          <p:nvPr>
+            <p:ph type="sldImg"/>
+          </p:nvPr>
+        </p:nvSpPr>
+        <p:spPr/>
+      </p:sp>
+      <p:sp>
+        <p:nvSpPr>
+          <p:cNvPr id="3" name="Segnaposto note 2"/>
+          <p:cNvSpPr>
+            <a:spLocks noGrp="1"/>
+          </p:cNvSpPr>
+          <p:nvPr>
+            <p:ph type="body" idx="1"/>
+          </p:nvPr>
+        </p:nvSpPr>
+        <p:spPr/>
+        <p:txBody>
+          <a:bodyPr/>
+          <a:lstStyle/>
+          <a:p>
+            <a:r>
+              <a:rPr lang="it-IT" u="sng" dirty="0"/>
+              <a:t>architecture.jpeg</a:t>
+            </a:r>
+            <a:endParaRPr lang="en-GB" u="sng" dirty="0"/>
+          </a:p>
+        </p:txBody>
+      </p:sp>
+      <p:sp>
+        <p:nvSpPr>
+          <p:cNvPr id="4" name="Segnaposto numero diapositiva 3"/>
+          <p:cNvSpPr>
+            <a:spLocks noGrp="1"/>
+          </p:cNvSpPr>
+          <p:nvPr>
+            <p:ph type="sldNum" sz="quarter" idx="10"/>
+          </p:nvPr>
+        </p:nvSpPr>
+        <p:spPr/>
+        <p:txBody>
+          <a:bodyPr/>
+          <a:lstStyle/>
+          <a:p>
+            <a:fld id="{11419E8F-772A-4146-8DF6-C4610487CA81}" type="slidenum">
+              <a:rPr lang="en-US" smtClean="0"/>
+              <a:t>6</a:t>
+            </a:fld>
+            <a:endParaRPr lang="en-US"/>
+          </a:p>
+        </p:txBody>
+      </p:sp>
+    </p:spTree>
+    <p:extLst>
+      <p:ext uri="{BB962C8B-B14F-4D97-AF65-F5344CB8AC3E}">
+        <p14:creationId xmlns:p14="http://schemas.microsoft.com/office/powerpoint/2010/main" val="2082948426"/>
+      </p:ext>
+    </p:extLst>
+  </p:cSld>
+  <p:clrMapOvr>
+    <a:masterClrMapping/>
+  </p:clrMapOvr>
+</p:notes>
 </file>
 
 <file path=ppt/slideLayouts/slideLayout1.xml><?xml version="1.0" encoding="utf-8"?>
@@ -4335,7 +4865,7 @@
           <p:nvPr/>
         </p:nvPicPr>
         <p:blipFill>
-          <a:blip r:embed="rId2" cstate="print">
+          <a:blip r:embed="rId3" cstate="print">
             <a:extLst>
               <a:ext uri="{28A0092B-C50C-407E-A947-70E740481C1C}">
                 <a14:useLocalDpi xmlns:a14="http://schemas.microsoft.com/office/drawing/2010/main" val="0"/>
@@ -4827,6 +5357,2391 @@
 </file>
 
 <file path=ppt/slides/slide2.xml><?xml version="1.0" encoding="utf-8"?>
+<p:sld xmlns:a="http://schemas.openxmlformats.org/drawingml/2006/main" xmlns:r="http://schemas.openxmlformats.org/officeDocument/2006/relationships" xmlns:p="http://schemas.openxmlformats.org/presentationml/2006/main">
+  <p:cSld>
+    <p:spTree>
+      <p:nvGrpSpPr>
+        <p:cNvPr id="1" name=""/>
+        <p:cNvGrpSpPr/>
+        <p:nvPr/>
+      </p:nvGrpSpPr>
+      <p:grpSpPr>
+        <a:xfrm>
+          <a:off x="0" y="0"/>
+          <a:ext cx="0" cy="0"/>
+          <a:chOff x="0" y="0"/>
+          <a:chExt cx="0" cy="0"/>
+        </a:xfrm>
+      </p:grpSpPr>
+      <p:sp>
+        <p:nvSpPr>
+          <p:cNvPr id="47" name="Rettangolo 46"/>
+          <p:cNvSpPr/>
+          <p:nvPr/>
+        </p:nvSpPr>
+        <p:spPr>
+          <a:xfrm>
+            <a:off x="2790623" y="2879724"/>
+            <a:ext cx="3180149" cy="1512168"/>
+          </a:xfrm>
+          <a:prstGeom prst="rect">
+            <a:avLst/>
+          </a:prstGeom>
+          <a:ln>
+            <a:solidFill>
+              <a:schemeClr val="tx1"/>
+            </a:solidFill>
+          </a:ln>
+        </p:spPr>
+        <p:style>
+          <a:lnRef idx="2">
+            <a:schemeClr val="accent1">
+              <a:shade val="50000"/>
+            </a:schemeClr>
+          </a:lnRef>
+          <a:fillRef idx="1">
+            <a:schemeClr val="accent1"/>
+          </a:fillRef>
+          <a:effectRef idx="0">
+            <a:schemeClr val="accent1"/>
+          </a:effectRef>
+          <a:fontRef idx="minor">
+            <a:schemeClr val="lt1"/>
+          </a:fontRef>
+        </p:style>
+        <p:txBody>
+          <a:bodyPr rtlCol="0" anchor="ctr"/>
+          <a:lstStyle/>
+          <a:p>
+            <a:pPr algn="ctr"/>
+            <a:endParaRPr lang="en-GB"/>
+          </a:p>
+        </p:txBody>
+      </p:sp>
+      <p:sp>
+        <p:nvSpPr>
+          <p:cNvPr id="6" name="Rettangolo 5"/>
+          <p:cNvSpPr/>
+          <p:nvPr/>
+        </p:nvSpPr>
+        <p:spPr>
+          <a:xfrm>
+            <a:off x="755048" y="2879724"/>
+            <a:ext cx="1924446" cy="1512168"/>
+          </a:xfrm>
+          <a:prstGeom prst="rect">
+            <a:avLst/>
+          </a:prstGeom>
+          <a:solidFill>
+            <a:srgbClr val="EDEDED"/>
+          </a:solidFill>
+          <a:ln>
+            <a:solidFill>
+              <a:schemeClr val="tx1"/>
+            </a:solidFill>
+          </a:ln>
+        </p:spPr>
+        <p:style>
+          <a:lnRef idx="2">
+            <a:schemeClr val="accent1">
+              <a:shade val="50000"/>
+            </a:schemeClr>
+          </a:lnRef>
+          <a:fillRef idx="1">
+            <a:schemeClr val="accent1"/>
+          </a:fillRef>
+          <a:effectRef idx="0">
+            <a:schemeClr val="accent1"/>
+          </a:effectRef>
+          <a:fontRef idx="minor">
+            <a:schemeClr val="lt1"/>
+          </a:fontRef>
+        </p:style>
+        <p:txBody>
+          <a:bodyPr rtlCol="0" anchor="ctr"/>
+          <a:lstStyle/>
+          <a:p>
+            <a:pPr algn="ctr"/>
+            <a:endParaRPr lang="en-GB"/>
+          </a:p>
+        </p:txBody>
+      </p:sp>
+      <p:sp>
+        <p:nvSpPr>
+          <p:cNvPr id="8" name="Rounded Rectangle 6"/>
+          <p:cNvSpPr/>
+          <p:nvPr/>
+        </p:nvSpPr>
+        <p:spPr>
+          <a:xfrm>
+            <a:off x="1225574" y="1247943"/>
+            <a:ext cx="864096" cy="432048"/>
+          </a:xfrm>
+          <a:prstGeom prst="roundRect">
+            <a:avLst/>
+          </a:prstGeom>
+          <a:solidFill>
+            <a:srgbClr val="CCFFCC"/>
+          </a:solidFill>
+          <a:ln w="12700">
+            <a:solidFill>
+              <a:schemeClr val="tx1"/>
+            </a:solidFill>
+          </a:ln>
+        </p:spPr>
+        <p:style>
+          <a:lnRef idx="2">
+            <a:schemeClr val="accent1">
+              <a:shade val="50000"/>
+            </a:schemeClr>
+          </a:lnRef>
+          <a:fillRef idx="1">
+            <a:schemeClr val="accent1"/>
+          </a:fillRef>
+          <a:effectRef idx="0">
+            <a:schemeClr val="accent1"/>
+          </a:effectRef>
+          <a:fontRef idx="minor">
+            <a:schemeClr val="lt1"/>
+          </a:fontRef>
+        </p:style>
+        <p:txBody>
+          <a:bodyPr lIns="0" tIns="0" rIns="0" bIns="0" rtlCol="0" anchor="ctr"/>
+          <a:lstStyle/>
+          <a:p>
+            <a:pPr algn="ctr"/>
+            <a:r>
+              <a:rPr lang="en-US" sz="1200" dirty="0">
+                <a:solidFill>
+                  <a:schemeClr val="tx1"/>
+                </a:solidFill>
+              </a:rPr>
+              <a:t>802.1Q bridge</a:t>
+            </a:r>
+          </a:p>
+        </p:txBody>
+      </p:sp>
+      <p:sp>
+        <p:nvSpPr>
+          <p:cNvPr id="9" name="Rounded Rectangle 7"/>
+          <p:cNvSpPr/>
+          <p:nvPr/>
+        </p:nvSpPr>
+        <p:spPr>
+          <a:xfrm>
+            <a:off x="2953766" y="1247943"/>
+            <a:ext cx="864096" cy="432048"/>
+          </a:xfrm>
+          <a:prstGeom prst="roundRect">
+            <a:avLst/>
+          </a:prstGeom>
+          <a:solidFill>
+            <a:srgbClr val="CCFFCC"/>
+          </a:solidFill>
+          <a:ln w="12700">
+            <a:solidFill>
+              <a:schemeClr val="tx1"/>
+            </a:solidFill>
+          </a:ln>
+        </p:spPr>
+        <p:style>
+          <a:lnRef idx="2">
+            <a:schemeClr val="accent1">
+              <a:shade val="50000"/>
+            </a:schemeClr>
+          </a:lnRef>
+          <a:fillRef idx="1">
+            <a:schemeClr val="accent1"/>
+          </a:fillRef>
+          <a:effectRef idx="0">
+            <a:schemeClr val="accent1"/>
+          </a:effectRef>
+          <a:fontRef idx="minor">
+            <a:schemeClr val="lt1"/>
+          </a:fontRef>
+        </p:style>
+        <p:txBody>
+          <a:bodyPr lIns="0" tIns="0" rIns="0" bIns="0" rtlCol="0" anchor="ctr"/>
+          <a:lstStyle/>
+          <a:p>
+            <a:pPr algn="ctr"/>
+            <a:r>
+              <a:rPr lang="en-US" sz="1200" dirty="0">
+                <a:solidFill>
+                  <a:schemeClr val="tx1"/>
+                </a:solidFill>
+              </a:rPr>
+              <a:t>Family firewall</a:t>
+            </a:r>
+          </a:p>
+        </p:txBody>
+      </p:sp>
+      <p:sp>
+        <p:nvSpPr>
+          <p:cNvPr id="10" name="Rounded Rectangle 8"/>
+          <p:cNvSpPr/>
+          <p:nvPr/>
+        </p:nvSpPr>
+        <p:spPr>
+          <a:xfrm>
+            <a:off x="4988246" y="1247943"/>
+            <a:ext cx="864096" cy="432048"/>
+          </a:xfrm>
+          <a:prstGeom prst="roundRect">
+            <a:avLst/>
+          </a:prstGeom>
+          <a:solidFill>
+            <a:srgbClr val="CCFFCC"/>
+          </a:solidFill>
+          <a:ln w="12700">
+            <a:solidFill>
+              <a:schemeClr val="tx1"/>
+            </a:solidFill>
+          </a:ln>
+        </p:spPr>
+        <p:style>
+          <a:lnRef idx="2">
+            <a:schemeClr val="accent1">
+              <a:shade val="50000"/>
+            </a:schemeClr>
+          </a:lnRef>
+          <a:fillRef idx="1">
+            <a:schemeClr val="accent1"/>
+          </a:fillRef>
+          <a:effectRef idx="0">
+            <a:schemeClr val="accent1"/>
+          </a:effectRef>
+          <a:fontRef idx="minor">
+            <a:schemeClr val="lt1"/>
+          </a:fontRef>
+        </p:style>
+        <p:txBody>
+          <a:bodyPr lIns="0" tIns="0" rIns="0" bIns="0" rtlCol="0" anchor="ctr"/>
+          <a:lstStyle/>
+          <a:p>
+            <a:pPr algn="ctr"/>
+            <a:r>
+              <a:rPr lang="en-US" sz="1200" dirty="0">
+                <a:solidFill>
+                  <a:schemeClr val="tx1"/>
+                </a:solidFill>
+              </a:rPr>
+              <a:t>NAT</a:t>
+            </a:r>
+          </a:p>
+        </p:txBody>
+      </p:sp>
+      <p:pic>
+        <p:nvPicPr>
+          <p:cNvPr id="11" name="Picture 10"/>
+          <p:cNvPicPr>
+            <a:picLocks noChangeAspect="1"/>
+          </p:cNvPicPr>
+          <p:nvPr/>
+        </p:nvPicPr>
+        <p:blipFill>
+          <a:blip r:embed="rId3" cstate="print">
+            <a:extLst>
+              <a:ext uri="{28A0092B-C50C-407E-A947-70E740481C1C}">
+                <a14:useLocalDpi xmlns:a14="http://schemas.microsoft.com/office/drawing/2010/main" val="0"/>
+              </a:ext>
+            </a:extLst>
+          </a:blip>
+          <a:stretch>
+            <a:fillRect/>
+          </a:stretch>
+        </p:blipFill>
+        <p:spPr>
+          <a:xfrm>
+            <a:off x="223023" y="1247947"/>
+            <a:ext cx="270674" cy="452653"/>
+          </a:xfrm>
+          <a:prstGeom prst="rect">
+            <a:avLst/>
+          </a:prstGeom>
+        </p:spPr>
+      </p:pic>
+      <p:pic>
+        <p:nvPicPr>
+          <p:cNvPr id="12" name="Picture 11"/>
+          <p:cNvPicPr>
+            <a:picLocks noChangeAspect="1"/>
+          </p:cNvPicPr>
+          <p:nvPr/>
+        </p:nvPicPr>
+        <p:blipFill>
+          <a:blip r:embed="rId4" cstate="print">
+            <a:extLst>
+              <a:ext uri="{28A0092B-C50C-407E-A947-70E740481C1C}">
+                <a14:useLocalDpi xmlns:a14="http://schemas.microsoft.com/office/drawing/2010/main" val="0"/>
+              </a:ext>
+            </a:extLst>
+          </a:blip>
+          <a:stretch>
+            <a:fillRect/>
+          </a:stretch>
+        </p:blipFill>
+        <p:spPr>
+          <a:xfrm>
+            <a:off x="225119" y="671879"/>
+            <a:ext cx="270674" cy="454182"/>
+          </a:xfrm>
+          <a:prstGeom prst="rect">
+            <a:avLst/>
+          </a:prstGeom>
+        </p:spPr>
+      </p:pic>
+      <p:pic>
+        <p:nvPicPr>
+          <p:cNvPr id="13" name="Picture 12"/>
+          <p:cNvPicPr>
+            <a:picLocks noChangeAspect="1"/>
+          </p:cNvPicPr>
+          <p:nvPr/>
+        </p:nvPicPr>
+        <p:blipFill>
+          <a:blip r:embed="rId5" cstate="print">
+            <a:extLst>
+              <a:ext uri="{28A0092B-C50C-407E-A947-70E740481C1C}">
+                <a14:useLocalDpi xmlns:a14="http://schemas.microsoft.com/office/drawing/2010/main" val="0"/>
+              </a:ext>
+            </a:extLst>
+          </a:blip>
+          <a:stretch>
+            <a:fillRect/>
+          </a:stretch>
+        </p:blipFill>
+        <p:spPr>
+          <a:xfrm>
+            <a:off x="223023" y="1822482"/>
+            <a:ext cx="270674" cy="452653"/>
+          </a:xfrm>
+          <a:prstGeom prst="rect">
+            <a:avLst/>
+          </a:prstGeom>
+        </p:spPr>
+      </p:pic>
+      <p:cxnSp>
+        <p:nvCxnSpPr>
+          <p:cNvPr id="14" name="Straight Connector 30"/>
+          <p:cNvCxnSpPr>
+            <a:stCxn id="12" idx="3"/>
+            <a:endCxn id="8" idx="1"/>
+          </p:cNvCxnSpPr>
+          <p:nvPr/>
+        </p:nvCxnSpPr>
+        <p:spPr>
+          <a:xfrm>
+            <a:off x="495797" y="898974"/>
+            <a:ext cx="729781" cy="564997"/>
+          </a:xfrm>
+          <a:prstGeom prst="line">
+            <a:avLst/>
+          </a:prstGeom>
+          <a:ln w="12700">
+            <a:solidFill>
+              <a:schemeClr val="tx1"/>
+            </a:solidFill>
+          </a:ln>
+        </p:spPr>
+        <p:style>
+          <a:lnRef idx="1">
+            <a:schemeClr val="accent1"/>
+          </a:lnRef>
+          <a:fillRef idx="0">
+            <a:schemeClr val="accent1"/>
+          </a:fillRef>
+          <a:effectRef idx="0">
+            <a:schemeClr val="accent1"/>
+          </a:effectRef>
+          <a:fontRef idx="minor">
+            <a:schemeClr val="tx1"/>
+          </a:fontRef>
+        </p:style>
+      </p:cxnSp>
+      <p:cxnSp>
+        <p:nvCxnSpPr>
+          <p:cNvPr id="15" name="Straight Connector 33"/>
+          <p:cNvCxnSpPr>
+            <a:stCxn id="11" idx="3"/>
+            <a:endCxn id="8" idx="1"/>
+          </p:cNvCxnSpPr>
+          <p:nvPr/>
+        </p:nvCxnSpPr>
+        <p:spPr>
+          <a:xfrm flipV="1">
+            <a:off x="493701" y="1463971"/>
+            <a:ext cx="731877" cy="10303"/>
+          </a:xfrm>
+          <a:prstGeom prst="line">
+            <a:avLst/>
+          </a:prstGeom>
+          <a:ln w="12700">
+            <a:solidFill>
+              <a:schemeClr val="tx1"/>
+            </a:solidFill>
+          </a:ln>
+        </p:spPr>
+        <p:style>
+          <a:lnRef idx="1">
+            <a:schemeClr val="accent1"/>
+          </a:lnRef>
+          <a:fillRef idx="0">
+            <a:schemeClr val="accent1"/>
+          </a:fillRef>
+          <a:effectRef idx="0">
+            <a:schemeClr val="accent1"/>
+          </a:effectRef>
+          <a:fontRef idx="minor">
+            <a:schemeClr val="tx1"/>
+          </a:fontRef>
+        </p:style>
+      </p:cxnSp>
+      <p:cxnSp>
+        <p:nvCxnSpPr>
+          <p:cNvPr id="16" name="Straight Connector 36"/>
+          <p:cNvCxnSpPr>
+            <a:stCxn id="13" idx="3"/>
+            <a:endCxn id="8" idx="1"/>
+          </p:cNvCxnSpPr>
+          <p:nvPr/>
+        </p:nvCxnSpPr>
+        <p:spPr>
+          <a:xfrm flipV="1">
+            <a:off x="493701" y="1463967"/>
+            <a:ext cx="731877" cy="584838"/>
+          </a:xfrm>
+          <a:prstGeom prst="line">
+            <a:avLst/>
+          </a:prstGeom>
+          <a:ln w="12700">
+            <a:solidFill>
+              <a:schemeClr val="tx1"/>
+            </a:solidFill>
+          </a:ln>
+        </p:spPr>
+        <p:style>
+          <a:lnRef idx="1">
+            <a:schemeClr val="accent1"/>
+          </a:lnRef>
+          <a:fillRef idx="0">
+            <a:schemeClr val="accent1"/>
+          </a:fillRef>
+          <a:effectRef idx="0">
+            <a:schemeClr val="accent1"/>
+          </a:effectRef>
+          <a:fontRef idx="minor">
+            <a:schemeClr val="tx1"/>
+          </a:fontRef>
+        </p:style>
+      </p:cxnSp>
+      <p:cxnSp>
+        <p:nvCxnSpPr>
+          <p:cNvPr id="17" name="Straight Connector 39"/>
+          <p:cNvCxnSpPr>
+            <a:stCxn id="8" idx="3"/>
+            <a:endCxn id="9" idx="1"/>
+          </p:cNvCxnSpPr>
+          <p:nvPr/>
+        </p:nvCxnSpPr>
+        <p:spPr>
+          <a:xfrm>
+            <a:off x="2089670" y="1463967"/>
+            <a:ext cx="864096" cy="0"/>
+          </a:xfrm>
+          <a:prstGeom prst="line">
+            <a:avLst/>
+          </a:prstGeom>
+          <a:ln w="12700">
+            <a:solidFill>
+              <a:schemeClr val="tx1"/>
+            </a:solidFill>
+          </a:ln>
+        </p:spPr>
+        <p:style>
+          <a:lnRef idx="1">
+            <a:schemeClr val="accent1"/>
+          </a:lnRef>
+          <a:fillRef idx="0">
+            <a:schemeClr val="accent1"/>
+          </a:fillRef>
+          <a:effectRef idx="0">
+            <a:schemeClr val="accent1"/>
+          </a:effectRef>
+          <a:fontRef idx="minor">
+            <a:schemeClr val="tx1"/>
+          </a:fontRef>
+        </p:style>
+      </p:cxnSp>
+      <p:cxnSp>
+        <p:nvCxnSpPr>
+          <p:cNvPr id="18" name="Straight Connector 42"/>
+          <p:cNvCxnSpPr>
+            <a:stCxn id="9" idx="3"/>
+            <a:endCxn id="10" idx="1"/>
+          </p:cNvCxnSpPr>
+          <p:nvPr/>
+        </p:nvCxnSpPr>
+        <p:spPr>
+          <a:xfrm>
+            <a:off x="3817862" y="1463967"/>
+            <a:ext cx="1170384" cy="0"/>
+          </a:xfrm>
+          <a:prstGeom prst="line">
+            <a:avLst/>
+          </a:prstGeom>
+          <a:ln w="12700">
+            <a:solidFill>
+              <a:schemeClr val="tx1"/>
+            </a:solidFill>
+          </a:ln>
+        </p:spPr>
+        <p:style>
+          <a:lnRef idx="1">
+            <a:schemeClr val="accent1"/>
+          </a:lnRef>
+          <a:fillRef idx="0">
+            <a:schemeClr val="accent1"/>
+          </a:fillRef>
+          <a:effectRef idx="0">
+            <a:schemeClr val="accent1"/>
+          </a:effectRef>
+          <a:fontRef idx="minor">
+            <a:schemeClr val="tx1"/>
+          </a:fontRef>
+        </p:style>
+      </p:cxnSp>
+      <p:pic>
+        <p:nvPicPr>
+          <p:cNvPr id="19" name="Picture 45"/>
+          <p:cNvPicPr>
+            <a:picLocks noChangeAspect="1"/>
+          </p:cNvPicPr>
+          <p:nvPr/>
+        </p:nvPicPr>
+        <p:blipFill>
+          <a:blip r:embed="rId6" cstate="print">
+            <a:extLst>
+              <a:ext uri="{28A0092B-C50C-407E-A947-70E740481C1C}">
+                <a14:useLocalDpi xmlns:a14="http://schemas.microsoft.com/office/drawing/2010/main" val="0"/>
+              </a:ext>
+            </a:extLst>
+          </a:blip>
+          <a:stretch>
+            <a:fillRect/>
+          </a:stretch>
+        </p:blipFill>
+        <p:spPr>
+          <a:xfrm>
+            <a:off x="6140374" y="1185063"/>
+            <a:ext cx="557808" cy="557808"/>
+          </a:xfrm>
+          <a:prstGeom prst="rect">
+            <a:avLst/>
+          </a:prstGeom>
+        </p:spPr>
+      </p:pic>
+      <p:cxnSp>
+        <p:nvCxnSpPr>
+          <p:cNvPr id="20" name="Straight Connector 46"/>
+          <p:cNvCxnSpPr>
+            <a:stCxn id="10" idx="3"/>
+            <a:endCxn id="19" idx="1"/>
+          </p:cNvCxnSpPr>
+          <p:nvPr/>
+        </p:nvCxnSpPr>
+        <p:spPr>
+          <a:xfrm>
+            <a:off x="5852342" y="1463967"/>
+            <a:ext cx="288032" cy="0"/>
+          </a:xfrm>
+          <a:prstGeom prst="line">
+            <a:avLst/>
+          </a:prstGeom>
+          <a:ln w="12700">
+            <a:solidFill>
+              <a:schemeClr val="tx1"/>
+            </a:solidFill>
+          </a:ln>
+        </p:spPr>
+        <p:style>
+          <a:lnRef idx="1">
+            <a:schemeClr val="accent1"/>
+          </a:lnRef>
+          <a:fillRef idx="0">
+            <a:schemeClr val="accent1"/>
+          </a:fillRef>
+          <a:effectRef idx="0">
+            <a:schemeClr val="accent1"/>
+          </a:effectRef>
+          <a:fontRef idx="minor">
+            <a:schemeClr val="tx1"/>
+          </a:fontRef>
+        </p:style>
+      </p:cxnSp>
+      <p:sp>
+        <p:nvSpPr>
+          <p:cNvPr id="23" name="Rounded Rectangle 31"/>
+          <p:cNvSpPr/>
+          <p:nvPr/>
+        </p:nvSpPr>
+        <p:spPr>
+          <a:xfrm>
+            <a:off x="1009550" y="657806"/>
+            <a:ext cx="650750" cy="432048"/>
+          </a:xfrm>
+          <a:prstGeom prst="roundRect">
+            <a:avLst/>
+          </a:prstGeom>
+          <a:solidFill>
+            <a:srgbClr val="CCFFCC"/>
+          </a:solidFill>
+          <a:ln w="12700">
+            <a:solidFill>
+              <a:schemeClr val="tx1"/>
+            </a:solidFill>
+          </a:ln>
+        </p:spPr>
+        <p:style>
+          <a:lnRef idx="2">
+            <a:schemeClr val="accent1">
+              <a:shade val="50000"/>
+            </a:schemeClr>
+          </a:lnRef>
+          <a:fillRef idx="1">
+            <a:schemeClr val="accent1"/>
+          </a:fillRef>
+          <a:effectRef idx="0">
+            <a:schemeClr val="accent1"/>
+          </a:effectRef>
+          <a:fontRef idx="minor">
+            <a:schemeClr val="lt1"/>
+          </a:fontRef>
+        </p:style>
+        <p:txBody>
+          <a:bodyPr lIns="0" tIns="0" rIns="0" bIns="0" rtlCol="0" anchor="ctr"/>
+          <a:lstStyle/>
+          <a:p>
+            <a:pPr algn="ctr"/>
+            <a:r>
+              <a:rPr lang="en-US" sz="1200" dirty="0">
+                <a:solidFill>
+                  <a:schemeClr val="tx1"/>
+                </a:solidFill>
+              </a:rPr>
+              <a:t>DHCP</a:t>
+            </a:r>
+          </a:p>
+        </p:txBody>
+      </p:sp>
+      <p:cxnSp>
+        <p:nvCxnSpPr>
+          <p:cNvPr id="24" name="Straight Connector 32"/>
+          <p:cNvCxnSpPr>
+            <a:stCxn id="8" idx="0"/>
+            <a:endCxn id="23" idx="2"/>
+          </p:cNvCxnSpPr>
+          <p:nvPr/>
+        </p:nvCxnSpPr>
+        <p:spPr>
+          <a:xfrm flipH="1" flipV="1">
+            <a:off x="1334929" y="1089858"/>
+            <a:ext cx="322697" cy="158089"/>
+          </a:xfrm>
+          <a:prstGeom prst="line">
+            <a:avLst/>
+          </a:prstGeom>
+          <a:ln w="12700">
+            <a:solidFill>
+              <a:schemeClr val="tx1"/>
+            </a:solidFill>
+          </a:ln>
+        </p:spPr>
+        <p:style>
+          <a:lnRef idx="1">
+            <a:schemeClr val="accent1"/>
+          </a:lnRef>
+          <a:fillRef idx="0">
+            <a:schemeClr val="accent1"/>
+          </a:fillRef>
+          <a:effectRef idx="0">
+            <a:schemeClr val="accent1"/>
+          </a:effectRef>
+          <a:fontRef idx="minor">
+            <a:schemeClr val="tx1"/>
+          </a:fontRef>
+        </p:style>
+      </p:cxnSp>
+      <p:sp>
+        <p:nvSpPr>
+          <p:cNvPr id="25" name="Rounded Rectangle 34"/>
+          <p:cNvSpPr/>
+          <p:nvPr/>
+        </p:nvSpPr>
+        <p:spPr>
+          <a:xfrm>
+            <a:off x="1742130" y="653504"/>
+            <a:ext cx="650750" cy="432048"/>
+          </a:xfrm>
+          <a:prstGeom prst="roundRect">
+            <a:avLst/>
+          </a:prstGeom>
+          <a:solidFill>
+            <a:srgbClr val="CCFFCC"/>
+          </a:solidFill>
+          <a:ln w="12700">
+            <a:solidFill>
+              <a:schemeClr val="tx1"/>
+            </a:solidFill>
+          </a:ln>
+        </p:spPr>
+        <p:style>
+          <a:lnRef idx="2">
+            <a:schemeClr val="accent1">
+              <a:shade val="50000"/>
+            </a:schemeClr>
+          </a:lnRef>
+          <a:fillRef idx="1">
+            <a:schemeClr val="accent1"/>
+          </a:fillRef>
+          <a:effectRef idx="0">
+            <a:schemeClr val="accent1"/>
+          </a:effectRef>
+          <a:fontRef idx="minor">
+            <a:schemeClr val="lt1"/>
+          </a:fontRef>
+        </p:style>
+        <p:txBody>
+          <a:bodyPr lIns="0" tIns="0" rIns="0" bIns="0" rtlCol="0" anchor="ctr"/>
+          <a:lstStyle/>
+          <a:p>
+            <a:pPr algn="ctr"/>
+            <a:r>
+              <a:rPr lang="en-US" sz="1200" dirty="0">
+                <a:solidFill>
+                  <a:schemeClr val="tx1"/>
+                </a:solidFill>
+              </a:rPr>
+              <a:t>Storage server</a:t>
+            </a:r>
+          </a:p>
+        </p:txBody>
+      </p:sp>
+      <p:cxnSp>
+        <p:nvCxnSpPr>
+          <p:cNvPr id="26" name="Straight Connector 35"/>
+          <p:cNvCxnSpPr>
+            <a:stCxn id="8" idx="0"/>
+            <a:endCxn id="25" idx="2"/>
+          </p:cNvCxnSpPr>
+          <p:nvPr/>
+        </p:nvCxnSpPr>
+        <p:spPr>
+          <a:xfrm flipV="1">
+            <a:off x="1657626" y="1085556"/>
+            <a:ext cx="409883" cy="162391"/>
+          </a:xfrm>
+          <a:prstGeom prst="line">
+            <a:avLst/>
+          </a:prstGeom>
+          <a:ln w="12700">
+            <a:solidFill>
+              <a:schemeClr val="tx1"/>
+            </a:solidFill>
+          </a:ln>
+        </p:spPr>
+        <p:style>
+          <a:lnRef idx="1">
+            <a:schemeClr val="accent1"/>
+          </a:lnRef>
+          <a:fillRef idx="0">
+            <a:schemeClr val="accent1"/>
+          </a:fillRef>
+          <a:effectRef idx="0">
+            <a:schemeClr val="accent1"/>
+          </a:effectRef>
+          <a:fontRef idx="minor">
+            <a:schemeClr val="tx1"/>
+          </a:fontRef>
+        </p:style>
+      </p:cxnSp>
+      <p:sp>
+        <p:nvSpPr>
+          <p:cNvPr id="29" name="Rounded Rectangle 6"/>
+          <p:cNvSpPr/>
+          <p:nvPr/>
+        </p:nvSpPr>
+        <p:spPr>
+          <a:xfrm>
+            <a:off x="1216251" y="3679697"/>
+            <a:ext cx="864096" cy="432048"/>
+          </a:xfrm>
+          <a:prstGeom prst="roundRect">
+            <a:avLst/>
+          </a:prstGeom>
+          <a:solidFill>
+            <a:srgbClr val="CCFFCC"/>
+          </a:solidFill>
+          <a:ln w="12700">
+            <a:solidFill>
+              <a:schemeClr val="tx1"/>
+            </a:solidFill>
+          </a:ln>
+        </p:spPr>
+        <p:style>
+          <a:lnRef idx="2">
+            <a:schemeClr val="accent1">
+              <a:shade val="50000"/>
+            </a:schemeClr>
+          </a:lnRef>
+          <a:fillRef idx="1">
+            <a:schemeClr val="accent1"/>
+          </a:fillRef>
+          <a:effectRef idx="0">
+            <a:schemeClr val="accent1"/>
+          </a:effectRef>
+          <a:fontRef idx="minor">
+            <a:schemeClr val="lt1"/>
+          </a:fontRef>
+        </p:style>
+        <p:txBody>
+          <a:bodyPr lIns="0" tIns="0" rIns="0" bIns="0" rtlCol="0" anchor="ctr"/>
+          <a:lstStyle/>
+          <a:p>
+            <a:pPr algn="ctr"/>
+            <a:r>
+              <a:rPr lang="en-US" sz="1200" dirty="0">
+                <a:solidFill>
+                  <a:schemeClr val="tx1"/>
+                </a:solidFill>
+              </a:rPr>
+              <a:t>802.1Q bridge</a:t>
+            </a:r>
+          </a:p>
+        </p:txBody>
+      </p:sp>
+      <p:sp>
+        <p:nvSpPr>
+          <p:cNvPr id="30" name="Rounded Rectangle 7"/>
+          <p:cNvSpPr/>
+          <p:nvPr/>
+        </p:nvSpPr>
+        <p:spPr>
+          <a:xfrm>
+            <a:off x="2944443" y="3679697"/>
+            <a:ext cx="864096" cy="432048"/>
+          </a:xfrm>
+          <a:prstGeom prst="roundRect">
+            <a:avLst/>
+          </a:prstGeom>
+          <a:solidFill>
+            <a:srgbClr val="CCFFCC"/>
+          </a:solidFill>
+          <a:ln w="12700">
+            <a:solidFill>
+              <a:schemeClr val="tx1"/>
+            </a:solidFill>
+          </a:ln>
+        </p:spPr>
+        <p:style>
+          <a:lnRef idx="2">
+            <a:schemeClr val="accent1">
+              <a:shade val="50000"/>
+            </a:schemeClr>
+          </a:lnRef>
+          <a:fillRef idx="1">
+            <a:schemeClr val="accent1"/>
+          </a:fillRef>
+          <a:effectRef idx="0">
+            <a:schemeClr val="accent1"/>
+          </a:effectRef>
+          <a:fontRef idx="minor">
+            <a:schemeClr val="lt1"/>
+          </a:fontRef>
+        </p:style>
+        <p:txBody>
+          <a:bodyPr lIns="0" tIns="0" rIns="0" bIns="0" rtlCol="0" anchor="ctr"/>
+          <a:lstStyle/>
+          <a:p>
+            <a:pPr algn="ctr"/>
+            <a:r>
+              <a:rPr lang="en-US" sz="1200" dirty="0">
+                <a:solidFill>
+                  <a:schemeClr val="tx1"/>
+                </a:solidFill>
+              </a:rPr>
+              <a:t>Family firewall</a:t>
+            </a:r>
+          </a:p>
+        </p:txBody>
+      </p:sp>
+      <p:sp>
+        <p:nvSpPr>
+          <p:cNvPr id="31" name="Rounded Rectangle 8"/>
+          <p:cNvSpPr/>
+          <p:nvPr/>
+        </p:nvSpPr>
+        <p:spPr>
+          <a:xfrm>
+            <a:off x="4978923" y="3679697"/>
+            <a:ext cx="864096" cy="432048"/>
+          </a:xfrm>
+          <a:prstGeom prst="roundRect">
+            <a:avLst/>
+          </a:prstGeom>
+          <a:solidFill>
+            <a:srgbClr val="CCFFCC"/>
+          </a:solidFill>
+          <a:ln w="12700">
+            <a:solidFill>
+              <a:schemeClr val="tx1"/>
+            </a:solidFill>
+          </a:ln>
+        </p:spPr>
+        <p:style>
+          <a:lnRef idx="2">
+            <a:schemeClr val="accent1">
+              <a:shade val="50000"/>
+            </a:schemeClr>
+          </a:lnRef>
+          <a:fillRef idx="1">
+            <a:schemeClr val="accent1"/>
+          </a:fillRef>
+          <a:effectRef idx="0">
+            <a:schemeClr val="accent1"/>
+          </a:effectRef>
+          <a:fontRef idx="minor">
+            <a:schemeClr val="lt1"/>
+          </a:fontRef>
+        </p:style>
+        <p:txBody>
+          <a:bodyPr lIns="0" tIns="0" rIns="0" bIns="0" rtlCol="0" anchor="ctr"/>
+          <a:lstStyle/>
+          <a:p>
+            <a:pPr algn="ctr"/>
+            <a:r>
+              <a:rPr lang="en-US" sz="1200" dirty="0">
+                <a:solidFill>
+                  <a:schemeClr val="tx1"/>
+                </a:solidFill>
+              </a:rPr>
+              <a:t>NAT</a:t>
+            </a:r>
+          </a:p>
+        </p:txBody>
+      </p:sp>
+      <p:pic>
+        <p:nvPicPr>
+          <p:cNvPr id="32" name="Picture 10"/>
+          <p:cNvPicPr>
+            <a:picLocks noChangeAspect="1"/>
+          </p:cNvPicPr>
+          <p:nvPr/>
+        </p:nvPicPr>
+        <p:blipFill>
+          <a:blip r:embed="rId3" cstate="print">
+            <a:extLst>
+              <a:ext uri="{28A0092B-C50C-407E-A947-70E740481C1C}">
+                <a14:useLocalDpi xmlns:a14="http://schemas.microsoft.com/office/drawing/2010/main" val="0"/>
+              </a:ext>
+            </a:extLst>
+          </a:blip>
+          <a:stretch>
+            <a:fillRect/>
+          </a:stretch>
+        </p:blipFill>
+        <p:spPr>
+          <a:xfrm>
+            <a:off x="213700" y="3679701"/>
+            <a:ext cx="270674" cy="452653"/>
+          </a:xfrm>
+          <a:prstGeom prst="rect">
+            <a:avLst/>
+          </a:prstGeom>
+        </p:spPr>
+      </p:pic>
+      <p:pic>
+        <p:nvPicPr>
+          <p:cNvPr id="33" name="Picture 11"/>
+          <p:cNvPicPr>
+            <a:picLocks noChangeAspect="1"/>
+          </p:cNvPicPr>
+          <p:nvPr/>
+        </p:nvPicPr>
+        <p:blipFill>
+          <a:blip r:embed="rId4" cstate="print">
+            <a:extLst>
+              <a:ext uri="{28A0092B-C50C-407E-A947-70E740481C1C}">
+                <a14:useLocalDpi xmlns:a14="http://schemas.microsoft.com/office/drawing/2010/main" val="0"/>
+              </a:ext>
+            </a:extLst>
+          </a:blip>
+          <a:stretch>
+            <a:fillRect/>
+          </a:stretch>
+        </p:blipFill>
+        <p:spPr>
+          <a:xfrm>
+            <a:off x="215796" y="3103633"/>
+            <a:ext cx="270674" cy="454182"/>
+          </a:xfrm>
+          <a:prstGeom prst="rect">
+            <a:avLst/>
+          </a:prstGeom>
+        </p:spPr>
+      </p:pic>
+      <p:pic>
+        <p:nvPicPr>
+          <p:cNvPr id="34" name="Picture 12"/>
+          <p:cNvPicPr>
+            <a:picLocks noChangeAspect="1"/>
+          </p:cNvPicPr>
+          <p:nvPr/>
+        </p:nvPicPr>
+        <p:blipFill>
+          <a:blip r:embed="rId5" cstate="print">
+            <a:extLst>
+              <a:ext uri="{28A0092B-C50C-407E-A947-70E740481C1C}">
+                <a14:useLocalDpi xmlns:a14="http://schemas.microsoft.com/office/drawing/2010/main" val="0"/>
+              </a:ext>
+            </a:extLst>
+          </a:blip>
+          <a:stretch>
+            <a:fillRect/>
+          </a:stretch>
+        </p:blipFill>
+        <p:spPr>
+          <a:xfrm>
+            <a:off x="213700" y="4254236"/>
+            <a:ext cx="270674" cy="452653"/>
+          </a:xfrm>
+          <a:prstGeom prst="rect">
+            <a:avLst/>
+          </a:prstGeom>
+        </p:spPr>
+      </p:pic>
+      <p:cxnSp>
+        <p:nvCxnSpPr>
+          <p:cNvPr id="35" name="Straight Connector 30"/>
+          <p:cNvCxnSpPr>
+            <a:stCxn id="33" idx="3"/>
+            <a:endCxn id="29" idx="1"/>
+          </p:cNvCxnSpPr>
+          <p:nvPr/>
+        </p:nvCxnSpPr>
+        <p:spPr>
+          <a:xfrm>
+            <a:off x="486474" y="3330728"/>
+            <a:ext cx="729781" cy="564997"/>
+          </a:xfrm>
+          <a:prstGeom prst="line">
+            <a:avLst/>
+          </a:prstGeom>
+          <a:ln w="12700">
+            <a:solidFill>
+              <a:schemeClr val="tx1"/>
+            </a:solidFill>
+          </a:ln>
+        </p:spPr>
+        <p:style>
+          <a:lnRef idx="1">
+            <a:schemeClr val="accent1"/>
+          </a:lnRef>
+          <a:fillRef idx="0">
+            <a:schemeClr val="accent1"/>
+          </a:fillRef>
+          <a:effectRef idx="0">
+            <a:schemeClr val="accent1"/>
+          </a:effectRef>
+          <a:fontRef idx="minor">
+            <a:schemeClr val="tx1"/>
+          </a:fontRef>
+        </p:style>
+      </p:cxnSp>
+      <p:cxnSp>
+        <p:nvCxnSpPr>
+          <p:cNvPr id="36" name="Straight Connector 33"/>
+          <p:cNvCxnSpPr>
+            <a:stCxn id="32" idx="3"/>
+            <a:endCxn id="29" idx="1"/>
+          </p:cNvCxnSpPr>
+          <p:nvPr/>
+        </p:nvCxnSpPr>
+        <p:spPr>
+          <a:xfrm flipV="1">
+            <a:off x="484378" y="3895725"/>
+            <a:ext cx="731877" cy="10303"/>
+          </a:xfrm>
+          <a:prstGeom prst="line">
+            <a:avLst/>
+          </a:prstGeom>
+          <a:ln w="12700">
+            <a:solidFill>
+              <a:schemeClr val="tx1"/>
+            </a:solidFill>
+          </a:ln>
+        </p:spPr>
+        <p:style>
+          <a:lnRef idx="1">
+            <a:schemeClr val="accent1"/>
+          </a:lnRef>
+          <a:fillRef idx="0">
+            <a:schemeClr val="accent1"/>
+          </a:fillRef>
+          <a:effectRef idx="0">
+            <a:schemeClr val="accent1"/>
+          </a:effectRef>
+          <a:fontRef idx="minor">
+            <a:schemeClr val="tx1"/>
+          </a:fontRef>
+        </p:style>
+      </p:cxnSp>
+      <p:cxnSp>
+        <p:nvCxnSpPr>
+          <p:cNvPr id="37" name="Straight Connector 36"/>
+          <p:cNvCxnSpPr>
+            <a:stCxn id="34" idx="3"/>
+            <a:endCxn id="29" idx="1"/>
+          </p:cNvCxnSpPr>
+          <p:nvPr/>
+        </p:nvCxnSpPr>
+        <p:spPr>
+          <a:xfrm flipV="1">
+            <a:off x="484378" y="3895721"/>
+            <a:ext cx="731877" cy="584838"/>
+          </a:xfrm>
+          <a:prstGeom prst="line">
+            <a:avLst/>
+          </a:prstGeom>
+          <a:ln w="12700">
+            <a:solidFill>
+              <a:schemeClr val="tx1"/>
+            </a:solidFill>
+          </a:ln>
+        </p:spPr>
+        <p:style>
+          <a:lnRef idx="1">
+            <a:schemeClr val="accent1"/>
+          </a:lnRef>
+          <a:fillRef idx="0">
+            <a:schemeClr val="accent1"/>
+          </a:fillRef>
+          <a:effectRef idx="0">
+            <a:schemeClr val="accent1"/>
+          </a:effectRef>
+          <a:fontRef idx="minor">
+            <a:schemeClr val="tx1"/>
+          </a:fontRef>
+        </p:style>
+      </p:cxnSp>
+      <p:cxnSp>
+        <p:nvCxnSpPr>
+          <p:cNvPr id="38" name="Straight Connector 39"/>
+          <p:cNvCxnSpPr>
+            <a:stCxn id="29" idx="3"/>
+            <a:endCxn id="30" idx="1"/>
+          </p:cNvCxnSpPr>
+          <p:nvPr/>
+        </p:nvCxnSpPr>
+        <p:spPr>
+          <a:xfrm>
+            <a:off x="2080347" y="3895721"/>
+            <a:ext cx="864096" cy="0"/>
+          </a:xfrm>
+          <a:prstGeom prst="line">
+            <a:avLst/>
+          </a:prstGeom>
+          <a:ln w="12700">
+            <a:solidFill>
+              <a:schemeClr val="tx1"/>
+            </a:solidFill>
+          </a:ln>
+        </p:spPr>
+        <p:style>
+          <a:lnRef idx="1">
+            <a:schemeClr val="accent1"/>
+          </a:lnRef>
+          <a:fillRef idx="0">
+            <a:schemeClr val="accent1"/>
+          </a:fillRef>
+          <a:effectRef idx="0">
+            <a:schemeClr val="accent1"/>
+          </a:effectRef>
+          <a:fontRef idx="minor">
+            <a:schemeClr val="tx1"/>
+          </a:fontRef>
+        </p:style>
+      </p:cxnSp>
+      <p:cxnSp>
+        <p:nvCxnSpPr>
+          <p:cNvPr id="39" name="Straight Connector 42"/>
+          <p:cNvCxnSpPr>
+            <a:stCxn id="30" idx="3"/>
+            <a:endCxn id="31" idx="1"/>
+          </p:cNvCxnSpPr>
+          <p:nvPr/>
+        </p:nvCxnSpPr>
+        <p:spPr>
+          <a:xfrm>
+            <a:off x="3808539" y="3895721"/>
+            <a:ext cx="1170384" cy="0"/>
+          </a:xfrm>
+          <a:prstGeom prst="line">
+            <a:avLst/>
+          </a:prstGeom>
+          <a:ln w="12700">
+            <a:solidFill>
+              <a:schemeClr val="tx1"/>
+            </a:solidFill>
+          </a:ln>
+        </p:spPr>
+        <p:style>
+          <a:lnRef idx="1">
+            <a:schemeClr val="accent1"/>
+          </a:lnRef>
+          <a:fillRef idx="0">
+            <a:schemeClr val="accent1"/>
+          </a:fillRef>
+          <a:effectRef idx="0">
+            <a:schemeClr val="accent1"/>
+          </a:effectRef>
+          <a:fontRef idx="minor">
+            <a:schemeClr val="tx1"/>
+          </a:fontRef>
+        </p:style>
+      </p:cxnSp>
+      <p:pic>
+        <p:nvPicPr>
+          <p:cNvPr id="40" name="Picture 45"/>
+          <p:cNvPicPr>
+            <a:picLocks noChangeAspect="1"/>
+          </p:cNvPicPr>
+          <p:nvPr/>
+        </p:nvPicPr>
+        <p:blipFill>
+          <a:blip r:embed="rId6" cstate="print">
+            <a:extLst>
+              <a:ext uri="{28A0092B-C50C-407E-A947-70E740481C1C}">
+                <a14:useLocalDpi xmlns:a14="http://schemas.microsoft.com/office/drawing/2010/main" val="0"/>
+              </a:ext>
+            </a:extLst>
+          </a:blip>
+          <a:stretch>
+            <a:fillRect/>
+          </a:stretch>
+        </p:blipFill>
+        <p:spPr>
+          <a:xfrm>
+            <a:off x="6131051" y="3616817"/>
+            <a:ext cx="557808" cy="557808"/>
+          </a:xfrm>
+          <a:prstGeom prst="rect">
+            <a:avLst/>
+          </a:prstGeom>
+        </p:spPr>
+      </p:pic>
+      <p:cxnSp>
+        <p:nvCxnSpPr>
+          <p:cNvPr id="41" name="Straight Connector 46"/>
+          <p:cNvCxnSpPr>
+            <a:stCxn id="31" idx="3"/>
+            <a:endCxn id="40" idx="1"/>
+          </p:cNvCxnSpPr>
+          <p:nvPr/>
+        </p:nvCxnSpPr>
+        <p:spPr>
+          <a:xfrm>
+            <a:off x="5843019" y="3895721"/>
+            <a:ext cx="288032" cy="0"/>
+          </a:xfrm>
+          <a:prstGeom prst="line">
+            <a:avLst/>
+          </a:prstGeom>
+          <a:ln w="12700">
+            <a:solidFill>
+              <a:schemeClr val="tx1"/>
+            </a:solidFill>
+          </a:ln>
+        </p:spPr>
+        <p:style>
+          <a:lnRef idx="1">
+            <a:schemeClr val="accent1"/>
+          </a:lnRef>
+          <a:fillRef idx="0">
+            <a:schemeClr val="accent1"/>
+          </a:fillRef>
+          <a:effectRef idx="0">
+            <a:schemeClr val="accent1"/>
+          </a:effectRef>
+          <a:fontRef idx="minor">
+            <a:schemeClr val="tx1"/>
+          </a:fontRef>
+        </p:style>
+      </p:cxnSp>
+      <p:sp>
+        <p:nvSpPr>
+          <p:cNvPr id="43" name="Rounded Rectangle 31"/>
+          <p:cNvSpPr/>
+          <p:nvPr/>
+        </p:nvSpPr>
+        <p:spPr>
+          <a:xfrm>
+            <a:off x="1000227" y="3089560"/>
+            <a:ext cx="650750" cy="432048"/>
+          </a:xfrm>
+          <a:prstGeom prst="roundRect">
+            <a:avLst/>
+          </a:prstGeom>
+          <a:solidFill>
+            <a:srgbClr val="CCFFCC"/>
+          </a:solidFill>
+          <a:ln w="12700">
+            <a:solidFill>
+              <a:schemeClr val="tx1"/>
+            </a:solidFill>
+          </a:ln>
+        </p:spPr>
+        <p:style>
+          <a:lnRef idx="2">
+            <a:schemeClr val="accent1">
+              <a:shade val="50000"/>
+            </a:schemeClr>
+          </a:lnRef>
+          <a:fillRef idx="1">
+            <a:schemeClr val="accent1"/>
+          </a:fillRef>
+          <a:effectRef idx="0">
+            <a:schemeClr val="accent1"/>
+          </a:effectRef>
+          <a:fontRef idx="minor">
+            <a:schemeClr val="lt1"/>
+          </a:fontRef>
+        </p:style>
+        <p:txBody>
+          <a:bodyPr lIns="0" tIns="0" rIns="0" bIns="0" rtlCol="0" anchor="ctr"/>
+          <a:lstStyle/>
+          <a:p>
+            <a:pPr algn="ctr"/>
+            <a:r>
+              <a:rPr lang="en-US" sz="1200" dirty="0">
+                <a:solidFill>
+                  <a:schemeClr val="tx1"/>
+                </a:solidFill>
+              </a:rPr>
+              <a:t>DHCP</a:t>
+            </a:r>
+          </a:p>
+        </p:txBody>
+      </p:sp>
+      <p:cxnSp>
+        <p:nvCxnSpPr>
+          <p:cNvPr id="44" name="Straight Connector 32"/>
+          <p:cNvCxnSpPr>
+            <a:stCxn id="29" idx="0"/>
+            <a:endCxn id="43" idx="2"/>
+          </p:cNvCxnSpPr>
+          <p:nvPr/>
+        </p:nvCxnSpPr>
+        <p:spPr>
+          <a:xfrm flipH="1" flipV="1">
+            <a:off x="1325606" y="3521612"/>
+            <a:ext cx="322697" cy="158089"/>
+          </a:xfrm>
+          <a:prstGeom prst="line">
+            <a:avLst/>
+          </a:prstGeom>
+          <a:ln w="12700">
+            <a:solidFill>
+              <a:schemeClr val="tx1"/>
+            </a:solidFill>
+          </a:ln>
+        </p:spPr>
+        <p:style>
+          <a:lnRef idx="1">
+            <a:schemeClr val="accent1"/>
+          </a:lnRef>
+          <a:fillRef idx="0">
+            <a:schemeClr val="accent1"/>
+          </a:fillRef>
+          <a:effectRef idx="0">
+            <a:schemeClr val="accent1"/>
+          </a:effectRef>
+          <a:fontRef idx="minor">
+            <a:schemeClr val="tx1"/>
+          </a:fontRef>
+        </p:style>
+      </p:cxnSp>
+      <p:sp>
+        <p:nvSpPr>
+          <p:cNvPr id="45" name="Rounded Rectangle 34"/>
+          <p:cNvSpPr/>
+          <p:nvPr/>
+        </p:nvSpPr>
+        <p:spPr>
+          <a:xfrm>
+            <a:off x="1732807" y="3085258"/>
+            <a:ext cx="650750" cy="432048"/>
+          </a:xfrm>
+          <a:prstGeom prst="roundRect">
+            <a:avLst/>
+          </a:prstGeom>
+          <a:solidFill>
+            <a:srgbClr val="CCFFCC"/>
+          </a:solidFill>
+          <a:ln w="12700">
+            <a:solidFill>
+              <a:schemeClr val="tx1"/>
+            </a:solidFill>
+          </a:ln>
+        </p:spPr>
+        <p:style>
+          <a:lnRef idx="2">
+            <a:schemeClr val="accent1">
+              <a:shade val="50000"/>
+            </a:schemeClr>
+          </a:lnRef>
+          <a:fillRef idx="1">
+            <a:schemeClr val="accent1"/>
+          </a:fillRef>
+          <a:effectRef idx="0">
+            <a:schemeClr val="accent1"/>
+          </a:effectRef>
+          <a:fontRef idx="minor">
+            <a:schemeClr val="lt1"/>
+          </a:fontRef>
+        </p:style>
+        <p:txBody>
+          <a:bodyPr lIns="0" tIns="0" rIns="0" bIns="0" rtlCol="0" anchor="ctr"/>
+          <a:lstStyle/>
+          <a:p>
+            <a:pPr algn="ctr"/>
+            <a:r>
+              <a:rPr lang="en-US" sz="1200" dirty="0">
+                <a:solidFill>
+                  <a:schemeClr val="tx1"/>
+                </a:solidFill>
+              </a:rPr>
+              <a:t>Storage server</a:t>
+            </a:r>
+          </a:p>
+        </p:txBody>
+      </p:sp>
+      <p:cxnSp>
+        <p:nvCxnSpPr>
+          <p:cNvPr id="46" name="Straight Connector 35"/>
+          <p:cNvCxnSpPr>
+            <a:stCxn id="29" idx="0"/>
+            <a:endCxn id="45" idx="2"/>
+          </p:cNvCxnSpPr>
+          <p:nvPr/>
+        </p:nvCxnSpPr>
+        <p:spPr>
+          <a:xfrm flipV="1">
+            <a:off x="1648303" y="3517310"/>
+            <a:ext cx="409883" cy="162391"/>
+          </a:xfrm>
+          <a:prstGeom prst="line">
+            <a:avLst/>
+          </a:prstGeom>
+          <a:ln w="12700">
+            <a:solidFill>
+              <a:schemeClr val="tx1"/>
+            </a:solidFill>
+          </a:ln>
+        </p:spPr>
+        <p:style>
+          <a:lnRef idx="1">
+            <a:schemeClr val="accent1"/>
+          </a:lnRef>
+          <a:fillRef idx="0">
+            <a:schemeClr val="accent1"/>
+          </a:fillRef>
+          <a:effectRef idx="0">
+            <a:schemeClr val="accent1"/>
+          </a:effectRef>
+          <a:fontRef idx="minor">
+            <a:schemeClr val="tx1"/>
+          </a:fontRef>
+        </p:style>
+      </p:cxnSp>
+      <p:sp>
+        <p:nvSpPr>
+          <p:cNvPr id="48" name="CasellaDiTesto 47"/>
+          <p:cNvSpPr txBox="1"/>
+          <p:nvPr/>
+        </p:nvSpPr>
+        <p:spPr>
+          <a:xfrm>
+            <a:off x="1275868" y="4075067"/>
+            <a:ext cx="1455142" cy="338554"/>
+          </a:xfrm>
+          <a:prstGeom prst="rect">
+            <a:avLst/>
+          </a:prstGeom>
+          <a:noFill/>
+        </p:spPr>
+        <p:txBody>
+          <a:bodyPr wrap="none" rtlCol="0">
+            <a:spAutoFit/>
+          </a:bodyPr>
+          <a:lstStyle/>
+          <a:p>
+            <a:r>
+              <a:rPr lang="it-IT" sz="1600" dirty="0"/>
+              <a:t>Universal </a:t>
+            </a:r>
+            <a:r>
+              <a:rPr lang="it-IT" sz="1600" dirty="0" err="1"/>
+              <a:t>Node</a:t>
+            </a:r>
+            <a:endParaRPr lang="en-GB" sz="1600" dirty="0"/>
+          </a:p>
+        </p:txBody>
+      </p:sp>
+      <p:sp>
+        <p:nvSpPr>
+          <p:cNvPr id="49" name="CasellaDiTesto 48"/>
+          <p:cNvSpPr txBox="1"/>
+          <p:nvPr/>
+        </p:nvSpPr>
+        <p:spPr>
+          <a:xfrm>
+            <a:off x="4872650" y="2926470"/>
+            <a:ext cx="1076641" cy="338554"/>
+          </a:xfrm>
+          <a:prstGeom prst="rect">
+            <a:avLst/>
+          </a:prstGeom>
+          <a:noFill/>
+        </p:spPr>
+        <p:txBody>
+          <a:bodyPr wrap="none" rtlCol="0">
+            <a:spAutoFit/>
+          </a:bodyPr>
+          <a:lstStyle/>
+          <a:p>
+            <a:r>
+              <a:rPr lang="it-IT" sz="1600" dirty="0" err="1"/>
+              <a:t>OpenStack</a:t>
+            </a:r>
+            <a:endParaRPr lang="en-GB" dirty="0"/>
+          </a:p>
+        </p:txBody>
+      </p:sp>
+      <p:sp>
+        <p:nvSpPr>
+          <p:cNvPr id="7" name="Rettangolo 6"/>
+          <p:cNvSpPr/>
+          <p:nvPr/>
+        </p:nvSpPr>
+        <p:spPr>
+          <a:xfrm>
+            <a:off x="3573512" y="123652"/>
+            <a:ext cx="3050725" cy="509396"/>
+          </a:xfrm>
+          <a:prstGeom prst="rect">
+            <a:avLst/>
+          </a:prstGeom>
+          <a:solidFill>
+            <a:srgbClr val="FFC000"/>
+          </a:solidFill>
+          <a:ln w="12700">
+            <a:solidFill>
+              <a:schemeClr val="tx1"/>
+            </a:solidFill>
+          </a:ln>
+        </p:spPr>
+        <p:style>
+          <a:lnRef idx="2">
+            <a:schemeClr val="accent1">
+              <a:shade val="50000"/>
+            </a:schemeClr>
+          </a:lnRef>
+          <a:fillRef idx="1">
+            <a:schemeClr val="accent1"/>
+          </a:fillRef>
+          <a:effectRef idx="0">
+            <a:schemeClr val="accent1"/>
+          </a:effectRef>
+          <a:fontRef idx="minor">
+            <a:schemeClr val="lt1"/>
+          </a:fontRef>
+        </p:style>
+        <p:txBody>
+          <a:bodyPr rtlCol="0" anchor="ctr"/>
+          <a:lstStyle/>
+          <a:p>
+            <a:pPr algn="ctr"/>
+            <a:r>
+              <a:rPr lang="en-US" sz="1200" b="1" dirty="0">
+                <a:solidFill>
+                  <a:schemeClr val="tx1"/>
+                </a:solidFill>
+              </a:rPr>
+              <a:t>Case 1</a:t>
+            </a:r>
+            <a:r>
+              <a:rPr lang="en-US" sz="1200" dirty="0">
+                <a:solidFill>
+                  <a:schemeClr val="tx1"/>
+                </a:solidFill>
+              </a:rPr>
+              <a:t>: everything on the UN</a:t>
+            </a:r>
+          </a:p>
+          <a:p>
+            <a:pPr algn="ctr"/>
+            <a:r>
+              <a:rPr lang="en-US" sz="1200" b="1" dirty="0">
+                <a:solidFill>
+                  <a:schemeClr val="tx1"/>
+                </a:solidFill>
+              </a:rPr>
+              <a:t>Case 2</a:t>
+            </a:r>
+            <a:r>
+              <a:rPr lang="en-US" sz="1200" dirty="0">
+                <a:solidFill>
+                  <a:schemeClr val="tx1"/>
+                </a:solidFill>
+              </a:rPr>
+              <a:t>: everything on OpenStack</a:t>
+            </a:r>
+          </a:p>
+        </p:txBody>
+      </p:sp>
+      <p:sp>
+        <p:nvSpPr>
+          <p:cNvPr id="50" name="Rettangolo 49"/>
+          <p:cNvSpPr/>
+          <p:nvPr/>
+        </p:nvSpPr>
+        <p:spPr>
+          <a:xfrm>
+            <a:off x="3573511" y="2210603"/>
+            <a:ext cx="3050725" cy="499002"/>
+          </a:xfrm>
+          <a:prstGeom prst="rect">
+            <a:avLst/>
+          </a:prstGeom>
+          <a:solidFill>
+            <a:srgbClr val="FFC000"/>
+          </a:solidFill>
+          <a:ln w="12700">
+            <a:solidFill>
+              <a:schemeClr val="tx1"/>
+            </a:solidFill>
+          </a:ln>
+        </p:spPr>
+        <p:style>
+          <a:lnRef idx="2">
+            <a:schemeClr val="accent1">
+              <a:shade val="50000"/>
+            </a:schemeClr>
+          </a:lnRef>
+          <a:fillRef idx="1">
+            <a:schemeClr val="accent1"/>
+          </a:fillRef>
+          <a:effectRef idx="0">
+            <a:schemeClr val="accent1"/>
+          </a:effectRef>
+          <a:fontRef idx="minor">
+            <a:schemeClr val="lt1"/>
+          </a:fontRef>
+        </p:style>
+        <p:txBody>
+          <a:bodyPr rtlCol="0" anchor="ctr"/>
+          <a:lstStyle/>
+          <a:p>
+            <a:pPr algn="ctr"/>
+            <a:r>
+              <a:rPr lang="en-US" sz="1200" b="1" dirty="0">
+                <a:solidFill>
+                  <a:schemeClr val="tx1"/>
+                </a:solidFill>
+              </a:rPr>
+              <a:t>Case 3</a:t>
+            </a:r>
+            <a:r>
+              <a:rPr lang="en-US" sz="1200" dirty="0">
+                <a:solidFill>
+                  <a:schemeClr val="tx1"/>
+                </a:solidFill>
+              </a:rPr>
+              <a:t>: bridge DHCP and storage server on the UN, the rest on OpenStack</a:t>
+            </a:r>
+          </a:p>
+        </p:txBody>
+      </p:sp>
+    </p:spTree>
+    <p:extLst>
+      <p:ext uri="{BB962C8B-B14F-4D97-AF65-F5344CB8AC3E}">
+        <p14:creationId xmlns:p14="http://schemas.microsoft.com/office/powerpoint/2010/main" val="691214103"/>
+      </p:ext>
+    </p:extLst>
+  </p:cSld>
+  <p:clrMapOvr>
+    <a:masterClrMapping/>
+  </p:clrMapOvr>
+</p:sld>
+</file>
+
+<file path=ppt/slides/slide3.xml><?xml version="1.0" encoding="utf-8"?>
+<p:sld xmlns:a="http://schemas.openxmlformats.org/drawingml/2006/main" xmlns:r="http://schemas.openxmlformats.org/officeDocument/2006/relationships" xmlns:p="http://schemas.openxmlformats.org/presentationml/2006/main">
+  <p:cSld>
+    <p:spTree>
+      <p:nvGrpSpPr>
+        <p:cNvPr id="1" name=""/>
+        <p:cNvGrpSpPr/>
+        <p:nvPr/>
+      </p:nvGrpSpPr>
+      <p:grpSpPr>
+        <a:xfrm>
+          <a:off x="0" y="0"/>
+          <a:ext cx="0" cy="0"/>
+          <a:chOff x="0" y="0"/>
+          <a:chExt cx="0" cy="0"/>
+        </a:xfrm>
+      </p:grpSpPr>
+      <p:sp>
+        <p:nvSpPr>
+          <p:cNvPr id="3" name="Rounded Rectangle 2"/>
+          <p:cNvSpPr/>
+          <p:nvPr/>
+        </p:nvSpPr>
+        <p:spPr>
+          <a:xfrm>
+            <a:off x="3029051" y="725312"/>
+            <a:ext cx="1227070" cy="613535"/>
+          </a:xfrm>
+          <a:prstGeom prst="roundRect">
+            <a:avLst/>
+          </a:prstGeom>
+          <a:solidFill>
+            <a:srgbClr val="CCFFCC"/>
+          </a:solidFill>
+          <a:ln w="12700">
+            <a:solidFill>
+              <a:schemeClr val="tx1"/>
+            </a:solidFill>
+          </a:ln>
+        </p:spPr>
+        <p:style>
+          <a:lnRef idx="2">
+            <a:schemeClr val="accent1">
+              <a:shade val="50000"/>
+            </a:schemeClr>
+          </a:lnRef>
+          <a:fillRef idx="1">
+            <a:schemeClr val="accent1"/>
+          </a:fillRef>
+          <a:effectRef idx="0">
+            <a:schemeClr val="accent1"/>
+          </a:effectRef>
+          <a:fontRef idx="minor">
+            <a:schemeClr val="lt1"/>
+          </a:fontRef>
+        </p:style>
+        <p:txBody>
+          <a:bodyPr lIns="0" tIns="0" rIns="0" bIns="0" rtlCol="0" anchor="ctr"/>
+          <a:lstStyle/>
+          <a:p>
+            <a:pPr algn="ctr"/>
+            <a:r>
+              <a:rPr lang="en-US" sz="1704" dirty="0">
+                <a:solidFill>
+                  <a:schemeClr val="tx1"/>
+                </a:solidFill>
+              </a:rPr>
+              <a:t>IPsec client endpoint</a:t>
+            </a:r>
+          </a:p>
+        </p:txBody>
+      </p:sp>
+      <p:sp>
+        <p:nvSpPr>
+          <p:cNvPr id="4" name="Rounded Rectangle 3"/>
+          <p:cNvSpPr/>
+          <p:nvPr/>
+        </p:nvSpPr>
+        <p:spPr>
+          <a:xfrm>
+            <a:off x="1495214" y="725312"/>
+            <a:ext cx="1227070" cy="613535"/>
+          </a:xfrm>
+          <a:prstGeom prst="roundRect">
+            <a:avLst/>
+          </a:prstGeom>
+          <a:solidFill>
+            <a:srgbClr val="CCFFCC"/>
+          </a:solidFill>
+          <a:ln w="12700">
+            <a:solidFill>
+              <a:schemeClr val="tx1"/>
+            </a:solidFill>
+          </a:ln>
+        </p:spPr>
+        <p:style>
+          <a:lnRef idx="2">
+            <a:schemeClr val="accent1">
+              <a:shade val="50000"/>
+            </a:schemeClr>
+          </a:lnRef>
+          <a:fillRef idx="1">
+            <a:schemeClr val="accent1"/>
+          </a:fillRef>
+          <a:effectRef idx="0">
+            <a:schemeClr val="accent1"/>
+          </a:effectRef>
+          <a:fontRef idx="minor">
+            <a:schemeClr val="lt1"/>
+          </a:fontRef>
+        </p:style>
+        <p:txBody>
+          <a:bodyPr lIns="0" tIns="0" rIns="0" bIns="0" rtlCol="0" anchor="ctr"/>
+          <a:lstStyle/>
+          <a:p>
+            <a:pPr algn="ctr"/>
+            <a:r>
+              <a:rPr lang="en-US" sz="1704" dirty="0">
+                <a:solidFill>
+                  <a:schemeClr val="tx1"/>
+                </a:solidFill>
+              </a:rPr>
+              <a:t>Personal firewall</a:t>
+            </a:r>
+          </a:p>
+        </p:txBody>
+      </p:sp>
+      <p:sp>
+        <p:nvSpPr>
+          <p:cNvPr id="5" name="Rounded Rectangle 4"/>
+          <p:cNvSpPr/>
+          <p:nvPr/>
+        </p:nvSpPr>
+        <p:spPr>
+          <a:xfrm>
+            <a:off x="5483191" y="725312"/>
+            <a:ext cx="1227070" cy="613535"/>
+          </a:xfrm>
+          <a:prstGeom prst="roundRect">
+            <a:avLst/>
+          </a:prstGeom>
+          <a:solidFill>
+            <a:srgbClr val="CCFFCC"/>
+          </a:solidFill>
+          <a:ln w="12700">
+            <a:solidFill>
+              <a:schemeClr val="tx1"/>
+            </a:solidFill>
+          </a:ln>
+        </p:spPr>
+        <p:style>
+          <a:lnRef idx="2">
+            <a:schemeClr val="accent1">
+              <a:shade val="50000"/>
+            </a:schemeClr>
+          </a:lnRef>
+          <a:fillRef idx="1">
+            <a:schemeClr val="accent1"/>
+          </a:fillRef>
+          <a:effectRef idx="0">
+            <a:schemeClr val="accent1"/>
+          </a:effectRef>
+          <a:fontRef idx="minor">
+            <a:schemeClr val="lt1"/>
+          </a:fontRef>
+        </p:style>
+        <p:txBody>
+          <a:bodyPr lIns="0" tIns="0" rIns="0" bIns="0" rtlCol="0" anchor="ctr"/>
+          <a:lstStyle/>
+          <a:p>
+            <a:pPr algn="ctr"/>
+            <a:r>
+              <a:rPr lang="en-US" sz="1704" dirty="0">
+                <a:solidFill>
+                  <a:schemeClr val="tx1"/>
+                </a:solidFill>
+              </a:rPr>
+              <a:t>IPsec server endpoint</a:t>
+            </a:r>
+          </a:p>
+        </p:txBody>
+      </p:sp>
+      <p:sp>
+        <p:nvSpPr>
+          <p:cNvPr id="6" name="Rounded Rectangle 5"/>
+          <p:cNvSpPr/>
+          <p:nvPr/>
+        </p:nvSpPr>
+        <p:spPr>
+          <a:xfrm>
+            <a:off x="7119284" y="725312"/>
+            <a:ext cx="1227070" cy="613535"/>
+          </a:xfrm>
+          <a:prstGeom prst="roundRect">
+            <a:avLst/>
+          </a:prstGeom>
+          <a:solidFill>
+            <a:srgbClr val="CCFFCC"/>
+          </a:solidFill>
+          <a:ln w="12700">
+            <a:solidFill>
+              <a:schemeClr val="tx1"/>
+            </a:solidFill>
+          </a:ln>
+        </p:spPr>
+        <p:style>
+          <a:lnRef idx="2">
+            <a:schemeClr val="accent1">
+              <a:shade val="50000"/>
+            </a:schemeClr>
+          </a:lnRef>
+          <a:fillRef idx="1">
+            <a:schemeClr val="accent1"/>
+          </a:fillRef>
+          <a:effectRef idx="0">
+            <a:schemeClr val="accent1"/>
+          </a:effectRef>
+          <a:fontRef idx="minor">
+            <a:schemeClr val="lt1"/>
+          </a:fontRef>
+        </p:style>
+        <p:txBody>
+          <a:bodyPr lIns="0" tIns="0" rIns="0" bIns="0" rtlCol="0" anchor="ctr"/>
+          <a:lstStyle/>
+          <a:p>
+            <a:pPr algn="ctr"/>
+            <a:r>
+              <a:rPr lang="en-US" sz="1704" dirty="0">
+                <a:solidFill>
+                  <a:schemeClr val="tx1"/>
+                </a:solidFill>
+              </a:rPr>
+              <a:t>Router/NAT</a:t>
+            </a:r>
+          </a:p>
+        </p:txBody>
+      </p:sp>
+      <p:pic>
+        <p:nvPicPr>
+          <p:cNvPr id="10" name="Picture 9"/>
+          <p:cNvPicPr>
+            <a:picLocks noChangeAspect="1"/>
+          </p:cNvPicPr>
+          <p:nvPr/>
+        </p:nvPicPr>
+        <p:blipFill>
+          <a:blip r:embed="rId3" cstate="print">
+            <a:extLst>
+              <a:ext uri="{28A0092B-C50C-407E-A947-70E740481C1C}">
+                <a14:useLocalDpi xmlns:a14="http://schemas.microsoft.com/office/drawing/2010/main" val="0"/>
+              </a:ext>
+            </a:extLst>
+          </a:blip>
+          <a:stretch>
+            <a:fillRect/>
+          </a:stretch>
+        </p:blipFill>
+        <p:spPr>
+          <a:xfrm>
+            <a:off x="8755376" y="636018"/>
+            <a:ext cx="792122" cy="792122"/>
+          </a:xfrm>
+          <a:prstGeom prst="rect">
+            <a:avLst/>
+          </a:prstGeom>
+        </p:spPr>
+      </p:pic>
+      <p:pic>
+        <p:nvPicPr>
+          <p:cNvPr id="14" name="Picture 13"/>
+          <p:cNvPicPr>
+            <a:picLocks noChangeAspect="1"/>
+          </p:cNvPicPr>
+          <p:nvPr/>
+        </p:nvPicPr>
+        <p:blipFill>
+          <a:blip r:embed="rId4" cstate="print">
+            <a:extLst>
+              <a:ext uri="{28A0092B-C50C-407E-A947-70E740481C1C}">
+                <a14:useLocalDpi xmlns:a14="http://schemas.microsoft.com/office/drawing/2010/main" val="0"/>
+              </a:ext>
+            </a:extLst>
+          </a:blip>
+          <a:stretch>
+            <a:fillRect/>
+          </a:stretch>
+        </p:blipFill>
+        <p:spPr>
+          <a:xfrm>
+            <a:off x="4542651" y="195660"/>
+            <a:ext cx="754056" cy="836419"/>
+          </a:xfrm>
+          <a:prstGeom prst="rect">
+            <a:avLst/>
+          </a:prstGeom>
+        </p:spPr>
+      </p:pic>
+      <p:cxnSp>
+        <p:nvCxnSpPr>
+          <p:cNvPr id="17" name="Straight Connector 16"/>
+          <p:cNvCxnSpPr>
+            <a:stCxn id="4" idx="3"/>
+            <a:endCxn id="3" idx="1"/>
+          </p:cNvCxnSpPr>
+          <p:nvPr/>
+        </p:nvCxnSpPr>
+        <p:spPr>
+          <a:xfrm>
+            <a:off x="2722284" y="1032079"/>
+            <a:ext cx="306767" cy="0"/>
+          </a:xfrm>
+          <a:prstGeom prst="line">
+            <a:avLst/>
+          </a:prstGeom>
+          <a:ln w="12700">
+            <a:solidFill>
+              <a:schemeClr val="tx1"/>
+            </a:solidFill>
+          </a:ln>
+        </p:spPr>
+        <p:style>
+          <a:lnRef idx="1">
+            <a:schemeClr val="accent1"/>
+          </a:lnRef>
+          <a:fillRef idx="0">
+            <a:schemeClr val="accent1"/>
+          </a:fillRef>
+          <a:effectRef idx="0">
+            <a:schemeClr val="accent1"/>
+          </a:effectRef>
+          <a:fontRef idx="minor">
+            <a:schemeClr val="tx1"/>
+          </a:fontRef>
+        </p:style>
+      </p:cxnSp>
+      <p:cxnSp>
+        <p:nvCxnSpPr>
+          <p:cNvPr id="18" name="Straight Connector 17"/>
+          <p:cNvCxnSpPr>
+            <a:stCxn id="3" idx="3"/>
+            <a:endCxn id="5" idx="1"/>
+          </p:cNvCxnSpPr>
+          <p:nvPr/>
+        </p:nvCxnSpPr>
+        <p:spPr>
+          <a:xfrm>
+            <a:off x="4256121" y="1032079"/>
+            <a:ext cx="1227070" cy="0"/>
+          </a:xfrm>
+          <a:prstGeom prst="line">
+            <a:avLst/>
+          </a:prstGeom>
+          <a:ln w="12700">
+            <a:solidFill>
+              <a:schemeClr val="tx1"/>
+            </a:solidFill>
+          </a:ln>
+        </p:spPr>
+        <p:style>
+          <a:lnRef idx="1">
+            <a:schemeClr val="accent1"/>
+          </a:lnRef>
+          <a:fillRef idx="0">
+            <a:schemeClr val="accent1"/>
+          </a:fillRef>
+          <a:effectRef idx="0">
+            <a:schemeClr val="accent1"/>
+          </a:effectRef>
+          <a:fontRef idx="minor">
+            <a:schemeClr val="tx1"/>
+          </a:fontRef>
+        </p:style>
+      </p:cxnSp>
+      <p:cxnSp>
+        <p:nvCxnSpPr>
+          <p:cNvPr id="21" name="Straight Connector 20"/>
+          <p:cNvCxnSpPr>
+            <a:endCxn id="4" idx="1"/>
+          </p:cNvCxnSpPr>
+          <p:nvPr/>
+        </p:nvCxnSpPr>
+        <p:spPr>
+          <a:xfrm>
+            <a:off x="685270" y="1032079"/>
+            <a:ext cx="809945" cy="0"/>
+          </a:xfrm>
+          <a:prstGeom prst="line">
+            <a:avLst/>
+          </a:prstGeom>
+          <a:ln w="12700">
+            <a:solidFill>
+              <a:schemeClr val="tx1"/>
+            </a:solidFill>
+          </a:ln>
+        </p:spPr>
+        <p:style>
+          <a:lnRef idx="1">
+            <a:schemeClr val="accent1"/>
+          </a:lnRef>
+          <a:fillRef idx="0">
+            <a:schemeClr val="accent1"/>
+          </a:fillRef>
+          <a:effectRef idx="0">
+            <a:schemeClr val="accent1"/>
+          </a:effectRef>
+          <a:fontRef idx="minor">
+            <a:schemeClr val="tx1"/>
+          </a:fontRef>
+        </p:style>
+      </p:cxnSp>
+      <p:pic>
+        <p:nvPicPr>
+          <p:cNvPr id="15" name="Picture 14"/>
+          <p:cNvPicPr>
+            <a:picLocks noChangeAspect="1"/>
+          </p:cNvPicPr>
+          <p:nvPr/>
+        </p:nvPicPr>
+        <p:blipFill>
+          <a:blip r:embed="rId5" cstate="print">
+            <a:clrChange>
+              <a:clrFrom>
+                <a:srgbClr val="FFFFFF"/>
+              </a:clrFrom>
+              <a:clrTo>
+                <a:srgbClr val="FFFFFF">
+                  <a:alpha val="0"/>
+                </a:srgbClr>
+              </a:clrTo>
+            </a:clrChange>
+            <a:extLst>
+              <a:ext uri="{28A0092B-C50C-407E-A947-70E740481C1C}">
+                <a14:useLocalDpi xmlns:a14="http://schemas.microsoft.com/office/drawing/2010/main" val="0"/>
+              </a:ext>
+            </a:extLst>
+          </a:blip>
+          <a:stretch>
+            <a:fillRect/>
+          </a:stretch>
+        </p:blipFill>
+        <p:spPr>
+          <a:xfrm>
+            <a:off x="182092" y="458548"/>
+            <a:ext cx="1006355" cy="1006355"/>
+          </a:xfrm>
+          <a:prstGeom prst="rect">
+            <a:avLst/>
+          </a:prstGeom>
+        </p:spPr>
+      </p:pic>
+      <p:cxnSp>
+        <p:nvCxnSpPr>
+          <p:cNvPr id="24" name="Straight Connector 23"/>
+          <p:cNvCxnSpPr>
+            <a:stCxn id="5" idx="3"/>
+            <a:endCxn id="6" idx="1"/>
+          </p:cNvCxnSpPr>
+          <p:nvPr/>
+        </p:nvCxnSpPr>
+        <p:spPr>
+          <a:xfrm>
+            <a:off x="6710261" y="1032079"/>
+            <a:ext cx="409023" cy="0"/>
+          </a:xfrm>
+          <a:prstGeom prst="line">
+            <a:avLst/>
+          </a:prstGeom>
+          <a:ln w="12700">
+            <a:solidFill>
+              <a:schemeClr val="tx1"/>
+            </a:solidFill>
+          </a:ln>
+        </p:spPr>
+        <p:style>
+          <a:lnRef idx="1">
+            <a:schemeClr val="accent1"/>
+          </a:lnRef>
+          <a:fillRef idx="0">
+            <a:schemeClr val="accent1"/>
+          </a:fillRef>
+          <a:effectRef idx="0">
+            <a:schemeClr val="accent1"/>
+          </a:effectRef>
+          <a:fontRef idx="minor">
+            <a:schemeClr val="tx1"/>
+          </a:fontRef>
+        </p:style>
+      </p:cxnSp>
+      <p:cxnSp>
+        <p:nvCxnSpPr>
+          <p:cNvPr id="27" name="Straight Connector 26"/>
+          <p:cNvCxnSpPr>
+            <a:stCxn id="6" idx="3"/>
+            <a:endCxn id="10" idx="1"/>
+          </p:cNvCxnSpPr>
+          <p:nvPr/>
+        </p:nvCxnSpPr>
+        <p:spPr>
+          <a:xfrm>
+            <a:off x="8346353" y="1032079"/>
+            <a:ext cx="409023" cy="0"/>
+          </a:xfrm>
+          <a:prstGeom prst="line">
+            <a:avLst/>
+          </a:prstGeom>
+          <a:ln w="12700">
+            <a:solidFill>
+              <a:schemeClr val="tx1"/>
+            </a:solidFill>
+          </a:ln>
+        </p:spPr>
+        <p:style>
+          <a:lnRef idx="1">
+            <a:schemeClr val="accent1"/>
+          </a:lnRef>
+          <a:fillRef idx="0">
+            <a:schemeClr val="accent1"/>
+          </a:fillRef>
+          <a:effectRef idx="0">
+            <a:schemeClr val="accent1"/>
+          </a:effectRef>
+          <a:fontRef idx="minor">
+            <a:schemeClr val="tx1"/>
+          </a:fontRef>
+        </p:style>
+      </p:cxnSp>
+      <p:sp>
+        <p:nvSpPr>
+          <p:cNvPr id="52" name="Left-Right Arrow 51"/>
+          <p:cNvSpPr/>
+          <p:nvPr/>
+        </p:nvSpPr>
+        <p:spPr>
+          <a:xfrm>
+            <a:off x="1495214" y="1578481"/>
+            <a:ext cx="2760907" cy="403359"/>
+          </a:xfrm>
+          <a:prstGeom prst="leftRightArrow">
+            <a:avLst>
+              <a:gd name="adj1" fmla="val 65284"/>
+              <a:gd name="adj2" fmla="val 50000"/>
+            </a:avLst>
+          </a:prstGeom>
+          <a:solidFill>
+            <a:srgbClr val="FFC000"/>
+          </a:solidFill>
+          <a:ln w="12700">
+            <a:solidFill>
+              <a:schemeClr val="tx1"/>
+            </a:solidFill>
+          </a:ln>
+        </p:spPr>
+        <p:style>
+          <a:lnRef idx="2">
+            <a:schemeClr val="accent1">
+              <a:shade val="50000"/>
+            </a:schemeClr>
+          </a:lnRef>
+          <a:fillRef idx="1">
+            <a:schemeClr val="accent1"/>
+          </a:fillRef>
+          <a:effectRef idx="0">
+            <a:schemeClr val="accent1"/>
+          </a:effectRef>
+          <a:fontRef idx="minor">
+            <a:schemeClr val="lt1"/>
+          </a:fontRef>
+        </p:style>
+        <p:txBody>
+          <a:bodyPr rtlCol="0" anchor="ctr"/>
+          <a:lstStyle/>
+          <a:p>
+            <a:pPr algn="ctr"/>
+            <a:r>
+              <a:rPr lang="en-US" sz="1704" dirty="0">
+                <a:solidFill>
+                  <a:schemeClr val="tx1"/>
+                </a:solidFill>
+              </a:rPr>
+              <a:t>Universal Node</a:t>
+            </a:r>
+          </a:p>
+        </p:txBody>
+      </p:sp>
+      <p:sp>
+        <p:nvSpPr>
+          <p:cNvPr id="53" name="Left-Right Arrow 52"/>
+          <p:cNvSpPr/>
+          <p:nvPr/>
+        </p:nvSpPr>
+        <p:spPr>
+          <a:xfrm>
+            <a:off x="5483191" y="1584813"/>
+            <a:ext cx="2863163" cy="403359"/>
+          </a:xfrm>
+          <a:prstGeom prst="leftRightArrow">
+            <a:avLst>
+              <a:gd name="adj1" fmla="val 65284"/>
+              <a:gd name="adj2" fmla="val 50000"/>
+            </a:avLst>
+          </a:prstGeom>
+          <a:solidFill>
+            <a:srgbClr val="FFC000"/>
+          </a:solidFill>
+          <a:ln w="12700">
+            <a:solidFill>
+              <a:schemeClr val="tx1"/>
+            </a:solidFill>
+          </a:ln>
+        </p:spPr>
+        <p:style>
+          <a:lnRef idx="2">
+            <a:schemeClr val="accent1">
+              <a:shade val="50000"/>
+            </a:schemeClr>
+          </a:lnRef>
+          <a:fillRef idx="1">
+            <a:schemeClr val="accent1"/>
+          </a:fillRef>
+          <a:effectRef idx="0">
+            <a:schemeClr val="accent1"/>
+          </a:effectRef>
+          <a:fontRef idx="minor">
+            <a:schemeClr val="lt1"/>
+          </a:fontRef>
+        </p:style>
+        <p:txBody>
+          <a:bodyPr rtlCol="0" anchor="ctr"/>
+          <a:lstStyle/>
+          <a:p>
+            <a:pPr algn="ctr"/>
+            <a:r>
+              <a:rPr lang="en-US" sz="1704" dirty="0">
+                <a:solidFill>
+                  <a:schemeClr val="tx1"/>
+                </a:solidFill>
+              </a:rPr>
+              <a:t>OpenStack</a:t>
+            </a:r>
+          </a:p>
+        </p:txBody>
+      </p:sp>
+    </p:spTree>
+    <p:extLst>
+      <p:ext uri="{BB962C8B-B14F-4D97-AF65-F5344CB8AC3E}">
+        <p14:creationId xmlns:p14="http://schemas.microsoft.com/office/powerpoint/2010/main" val="2718172380"/>
+      </p:ext>
+    </p:extLst>
+  </p:cSld>
+  <p:clrMapOvr>
+    <a:masterClrMapping/>
+  </p:clrMapOvr>
+</p:sld>
+</file>
+
+<file path=ppt/slides/slide4.xml><?xml version="1.0" encoding="utf-8"?>
 <p:sld xmlns:a="http://schemas.openxmlformats.org/drawingml/2006/main" xmlns:r="http://schemas.openxmlformats.org/officeDocument/2006/relationships" xmlns:p="http://schemas.openxmlformats.org/presentationml/2006/main">
   <p:cSld>
     <p:spTree>
@@ -5328,7 +8243,7 @@
             <p:nvPr/>
           </p:nvPicPr>
           <p:blipFill>
-            <a:blip r:embed="rId2" cstate="print">
+            <a:blip r:embed="rId3" cstate="print">
               <a:extLst>
                 <a:ext uri="{28A0092B-C50C-407E-A947-70E740481C1C}">
                   <a14:useLocalDpi xmlns:a14="http://schemas.microsoft.com/office/drawing/2010/main" val="0"/>
@@ -6578,7 +9493,7 @@
 </p:sld>
 </file>
 
-<file path=ppt/slides/slide3.xml><?xml version="1.0" encoding="utf-8"?>
+<file path=ppt/slides/slide5.xml><?xml version="1.0" encoding="utf-8"?>
 <p:sld xmlns:a="http://schemas.openxmlformats.org/drawingml/2006/main" xmlns:r="http://schemas.openxmlformats.org/officeDocument/2006/relationships" xmlns:p="http://schemas.openxmlformats.org/presentationml/2006/main">
   <p:cSld>
     <p:spTree>
@@ -7089,7 +10004,7 @@
             <p:nvPr/>
           </p:nvPicPr>
           <p:blipFill>
-            <a:blip r:embed="rId2" cstate="print">
+            <a:blip r:embed="rId3" cstate="print">
               <a:extLst>
                 <a:ext uri="{28A0092B-C50C-407E-A947-70E740481C1C}">
                   <a14:useLocalDpi xmlns:a14="http://schemas.microsoft.com/office/drawing/2010/main" val="0"/>
@@ -8623,7 +11538,7 @@
 </p:sld>
 </file>
 
-<file path=ppt/slides/slide4.xml><?xml version="1.0" encoding="utf-8"?>
+<file path=ppt/slides/slide6.xml><?xml version="1.0" encoding="utf-8"?>
 <p:sld xmlns:a="http://schemas.openxmlformats.org/drawingml/2006/main" xmlns:r="http://schemas.openxmlformats.org/officeDocument/2006/relationships" xmlns:p="http://schemas.openxmlformats.org/presentationml/2006/main">
   <p:cSld>
     <p:spTree>
@@ -10462,7 +13377,7 @@
           <p:nvPr/>
         </p:nvPicPr>
         <p:blipFill>
-          <a:blip r:embed="rId2" cstate="print">
+          <a:blip r:embed="rId3" cstate="print">
             <a:extLst>
               <a:ext uri="{28A0092B-C50C-407E-A947-70E740481C1C}">
                 <a14:useLocalDpi xmlns:a14="http://schemas.microsoft.com/office/drawing/2010/main" val="0"/>
@@ -10762,7 +13677,7 @@
           <p:nvPr/>
         </p:nvPicPr>
         <p:blipFill>
-          <a:blip r:embed="rId3">
+          <a:blip r:embed="rId4">
             <a:extLst>
               <a:ext uri="{28A0092B-C50C-407E-A947-70E740481C1C}">
                 <a14:useLocalDpi xmlns:a14="http://schemas.microsoft.com/office/drawing/2010/main" val="0"/>
